--- a/HD11/src/V3/dijkstra.pptx
+++ b/HD11/src/V3/dijkstra.pptx
@@ -6658,10 +6658,10 @@
       </p:grpSpPr>
       <p:grpSp>
         <p:nvGrpSpPr>
-          <p:cNvPr id="34" name="Group 33">
+          <p:cNvPr id="72" name="Group 71">
             <a:extLst>
               <a:ext uri="{FF2B5EF4-FFF2-40B4-BE49-F238E27FC236}">
-                <a16:creationId xmlns:a16="http://schemas.microsoft.com/office/drawing/2014/main" id="{BEAEB426-2AA7-36AA-A61A-434E796BA67D}"/>
+                <a16:creationId xmlns:a16="http://schemas.microsoft.com/office/drawing/2014/main" id="{A2FE7EC9-ADA9-42B9-D3BD-313E5DD40A81}"/>
               </a:ext>
             </a:extLst>
           </p:cNvPr>
@@ -6670,18 +6670,18 @@
         </p:nvGrpSpPr>
         <p:grpSpPr>
           <a:xfrm>
-            <a:off x="2859394" y="1989171"/>
-            <a:ext cx="6473211" cy="2879658"/>
-            <a:chOff x="897972" y="1989171"/>
-            <a:chExt cx="6473211" cy="2879658"/>
+            <a:off x="4240359" y="1721657"/>
+            <a:ext cx="3421853" cy="3414685"/>
+            <a:chOff x="3762338" y="2149533"/>
+            <a:chExt cx="3421853" cy="3414685"/>
           </a:xfrm>
         </p:grpSpPr>
         <p:grpSp>
           <p:nvGrpSpPr>
-            <p:cNvPr id="35" name="Group 34">
+            <p:cNvPr id="5" name="Group 4">
               <a:extLst>
                 <a:ext uri="{FF2B5EF4-FFF2-40B4-BE49-F238E27FC236}">
-                  <a16:creationId xmlns:a16="http://schemas.microsoft.com/office/drawing/2014/main" id="{94796075-3492-5ABC-EE10-9461361DB20F}"/>
+                  <a16:creationId xmlns:a16="http://schemas.microsoft.com/office/drawing/2014/main" id="{00BAC1D5-C760-33BA-9D09-B52602D59ABC}"/>
                 </a:ext>
               </a:extLst>
             </p:cNvPr>
@@ -6690,527 +6690,32 @@
           </p:nvGrpSpPr>
           <p:grpSpPr>
             <a:xfrm>
-              <a:off x="897972" y="1989171"/>
-              <a:ext cx="6473211" cy="2879658"/>
-              <a:chOff x="860650" y="1711003"/>
-              <a:chExt cx="7767429" cy="3435994"/>
+              <a:off x="4173145" y="2562660"/>
+              <a:ext cx="1042464" cy="1062848"/>
+              <a:chOff x="4379377" y="592856"/>
+              <a:chExt cx="1042464" cy="1062848"/>
             </a:xfrm>
           </p:grpSpPr>
-          <p:sp>
-            <p:nvSpPr>
-              <p:cNvPr id="46" name="Oval 45">
+          <p:cxnSp>
+            <p:nvCxnSpPr>
+              <p:cNvPr id="3" name="Straight Arrow Connector 2">
                 <a:extLst>
                   <a:ext uri="{FF2B5EF4-FFF2-40B4-BE49-F238E27FC236}">
-                    <a16:creationId xmlns:a16="http://schemas.microsoft.com/office/drawing/2014/main" id="{83C52DD4-CA0A-358C-E471-A458FEE7D58A}"/>
-                  </a:ext>
-                </a:extLst>
-              </p:cNvPr>
-              <p:cNvSpPr/>
-              <p:nvPr/>
-            </p:nvSpPr>
-            <p:spPr>
-              <a:xfrm>
-                <a:off x="860650" y="3140242"/>
-                <a:ext cx="577516" cy="577516"/>
-              </a:xfrm>
-              <a:prstGeom prst="ellipse">
-                <a:avLst/>
-              </a:prstGeom>
-              <a:solidFill>
-                <a:schemeClr val="bg1"/>
-              </a:solidFill>
-              <a:ln w="19050">
-                <a:solidFill>
-                  <a:schemeClr val="tx1"/>
-                </a:solidFill>
-              </a:ln>
-            </p:spPr>
-            <p:style>
-              <a:lnRef idx="2">
-                <a:schemeClr val="accent1">
-                  <a:shade val="50000"/>
-                </a:schemeClr>
-              </a:lnRef>
-              <a:fillRef idx="1">
-                <a:schemeClr val="accent1"/>
-              </a:fillRef>
-              <a:effectRef idx="0">
-                <a:schemeClr val="accent1"/>
-              </a:effectRef>
-              <a:fontRef idx="minor">
-                <a:schemeClr val="lt1"/>
-              </a:fontRef>
-            </p:style>
-            <p:txBody>
-              <a:bodyPr rtlCol="0" anchor="ctr"/>
-              <a:lstStyle/>
-              <a:p>
-                <a:pPr algn="ctr"/>
-                <a:r>
-                  <a:rPr lang="en-IS" dirty="0">
-                    <a:solidFill>
-                      <a:schemeClr val="tx1"/>
-                    </a:solidFill>
-                    <a:latin typeface="Helvetica" pitchFamily="2" charset="0"/>
-                  </a:rPr>
-                  <a:t>0</a:t>
-                </a:r>
-              </a:p>
-            </p:txBody>
-          </p:sp>
-          <p:sp>
-            <p:nvSpPr>
-              <p:cNvPr id="47" name="Oval 46">
-                <a:extLst>
-                  <a:ext uri="{FF2B5EF4-FFF2-40B4-BE49-F238E27FC236}">
-                    <a16:creationId xmlns:a16="http://schemas.microsoft.com/office/drawing/2014/main" id="{B9A0B8AB-DAD9-0A33-80BE-C6530D72E049}"/>
-                  </a:ext>
-                </a:extLst>
-              </p:cNvPr>
-              <p:cNvSpPr/>
-              <p:nvPr/>
-            </p:nvSpPr>
-            <p:spPr>
-              <a:xfrm>
-                <a:off x="2408520" y="1711003"/>
-                <a:ext cx="577516" cy="577516"/>
-              </a:xfrm>
-              <a:prstGeom prst="ellipse">
-                <a:avLst/>
-              </a:prstGeom>
-              <a:solidFill>
-                <a:schemeClr val="bg1"/>
-              </a:solidFill>
-              <a:ln w="19050">
-                <a:solidFill>
-                  <a:schemeClr val="tx1"/>
-                </a:solidFill>
-              </a:ln>
-            </p:spPr>
-            <p:style>
-              <a:lnRef idx="2">
-                <a:schemeClr val="accent1">
-                  <a:shade val="50000"/>
-                </a:schemeClr>
-              </a:lnRef>
-              <a:fillRef idx="1">
-                <a:schemeClr val="accent1"/>
-              </a:fillRef>
-              <a:effectRef idx="0">
-                <a:schemeClr val="accent1"/>
-              </a:effectRef>
-              <a:fontRef idx="minor">
-                <a:schemeClr val="lt1"/>
-              </a:fontRef>
-            </p:style>
-            <p:txBody>
-              <a:bodyPr rtlCol="0" anchor="ctr"/>
-              <a:lstStyle/>
-              <a:p>
-                <a:pPr algn="ctr"/>
-                <a:r>
-                  <a:rPr lang="en-IS" dirty="0">
-                    <a:solidFill>
-                      <a:schemeClr val="tx1"/>
-                    </a:solidFill>
-                    <a:latin typeface="Helvetica" pitchFamily="2" charset="0"/>
-                  </a:rPr>
-                  <a:t>1</a:t>
-                </a:r>
-              </a:p>
-            </p:txBody>
-          </p:sp>
-          <p:sp>
-            <p:nvSpPr>
-              <p:cNvPr id="48" name="Oval 47">
-                <a:extLst>
-                  <a:ext uri="{FF2B5EF4-FFF2-40B4-BE49-F238E27FC236}">
-                    <a16:creationId xmlns:a16="http://schemas.microsoft.com/office/drawing/2014/main" id="{17F71650-E1BF-85C8-A56C-D7552D0D94FA}"/>
-                  </a:ext>
-                </a:extLst>
-              </p:cNvPr>
-              <p:cNvSpPr/>
-              <p:nvPr/>
-            </p:nvSpPr>
-            <p:spPr>
-              <a:xfrm>
-                <a:off x="2408520" y="4569481"/>
-                <a:ext cx="577516" cy="577516"/>
-              </a:xfrm>
-              <a:prstGeom prst="ellipse">
-                <a:avLst/>
-              </a:prstGeom>
-              <a:solidFill>
-                <a:schemeClr val="bg1"/>
-              </a:solidFill>
-              <a:ln w="19050">
-                <a:solidFill>
-                  <a:schemeClr val="tx1"/>
-                </a:solidFill>
-              </a:ln>
-            </p:spPr>
-            <p:style>
-              <a:lnRef idx="2">
-                <a:schemeClr val="accent1">
-                  <a:shade val="50000"/>
-                </a:schemeClr>
-              </a:lnRef>
-              <a:fillRef idx="1">
-                <a:schemeClr val="accent1"/>
-              </a:fillRef>
-              <a:effectRef idx="0">
-                <a:schemeClr val="accent1"/>
-              </a:effectRef>
-              <a:fontRef idx="minor">
-                <a:schemeClr val="lt1"/>
-              </a:fontRef>
-            </p:style>
-            <p:txBody>
-              <a:bodyPr rtlCol="0" anchor="ctr"/>
-              <a:lstStyle/>
-              <a:p>
-                <a:pPr algn="ctr"/>
-                <a:r>
-                  <a:rPr lang="en-IS" dirty="0">
-                    <a:solidFill>
-                      <a:schemeClr val="tx1"/>
-                    </a:solidFill>
-                    <a:latin typeface="Helvetica" pitchFamily="2" charset="0"/>
-                  </a:rPr>
-                  <a:t>3</a:t>
-                </a:r>
-              </a:p>
-            </p:txBody>
-          </p:sp>
-          <p:sp>
-            <p:nvSpPr>
-              <p:cNvPr id="49" name="Oval 48">
-                <a:extLst>
-                  <a:ext uri="{FF2B5EF4-FFF2-40B4-BE49-F238E27FC236}">
-                    <a16:creationId xmlns:a16="http://schemas.microsoft.com/office/drawing/2014/main" id="{A85EA265-249B-E6D9-EC4D-F7D3E24AFC29}"/>
-                  </a:ext>
-                </a:extLst>
-              </p:cNvPr>
-              <p:cNvSpPr/>
-              <p:nvPr/>
-            </p:nvSpPr>
-            <p:spPr>
-              <a:xfrm>
-                <a:off x="4422771" y="1711003"/>
-                <a:ext cx="577516" cy="577516"/>
-              </a:xfrm>
-              <a:prstGeom prst="ellipse">
-                <a:avLst/>
-              </a:prstGeom>
-              <a:solidFill>
-                <a:schemeClr val="bg1"/>
-              </a:solidFill>
-              <a:ln w="19050">
-                <a:solidFill>
-                  <a:schemeClr val="tx1"/>
-                </a:solidFill>
-              </a:ln>
-            </p:spPr>
-            <p:style>
-              <a:lnRef idx="2">
-                <a:schemeClr val="accent1">
-                  <a:shade val="50000"/>
-                </a:schemeClr>
-              </a:lnRef>
-              <a:fillRef idx="1">
-                <a:schemeClr val="accent1"/>
-              </a:fillRef>
-              <a:effectRef idx="0">
-                <a:schemeClr val="accent1"/>
-              </a:effectRef>
-              <a:fontRef idx="minor">
-                <a:schemeClr val="lt1"/>
-              </a:fontRef>
-            </p:style>
-            <p:txBody>
-              <a:bodyPr rtlCol="0" anchor="ctr"/>
-              <a:lstStyle/>
-              <a:p>
-                <a:pPr algn="ctr"/>
-                <a:r>
-                  <a:rPr lang="en-IS" dirty="0">
-                    <a:solidFill>
-                      <a:schemeClr val="tx1"/>
-                    </a:solidFill>
-                    <a:latin typeface="Helvetica" pitchFamily="2" charset="0"/>
-                  </a:rPr>
-                  <a:t>2</a:t>
-                </a:r>
-              </a:p>
-            </p:txBody>
-          </p:sp>
-          <p:sp>
-            <p:nvSpPr>
-              <p:cNvPr id="50" name="Oval 49">
-                <a:extLst>
-                  <a:ext uri="{FF2B5EF4-FFF2-40B4-BE49-F238E27FC236}">
-                    <a16:creationId xmlns:a16="http://schemas.microsoft.com/office/drawing/2014/main" id="{FCCF9EE1-A2B0-F1E9-3944-9F687D8230C5}"/>
-                  </a:ext>
-                </a:extLst>
-              </p:cNvPr>
-              <p:cNvSpPr/>
-              <p:nvPr/>
-            </p:nvSpPr>
-            <p:spPr>
-              <a:xfrm>
-                <a:off x="4422771" y="4569481"/>
-                <a:ext cx="577516" cy="577516"/>
-              </a:xfrm>
-              <a:prstGeom prst="ellipse">
-                <a:avLst/>
-              </a:prstGeom>
-              <a:solidFill>
-                <a:schemeClr val="bg1"/>
-              </a:solidFill>
-              <a:ln w="19050">
-                <a:solidFill>
-                  <a:schemeClr val="tx1"/>
-                </a:solidFill>
-              </a:ln>
-            </p:spPr>
-            <p:style>
-              <a:lnRef idx="2">
-                <a:schemeClr val="accent1">
-                  <a:shade val="50000"/>
-                </a:schemeClr>
-              </a:lnRef>
-              <a:fillRef idx="1">
-                <a:schemeClr val="accent1"/>
-              </a:fillRef>
-              <a:effectRef idx="0">
-                <a:schemeClr val="accent1"/>
-              </a:effectRef>
-              <a:fontRef idx="minor">
-                <a:schemeClr val="lt1"/>
-              </a:fontRef>
-            </p:style>
-            <p:txBody>
-              <a:bodyPr rtlCol="0" anchor="ctr"/>
-              <a:lstStyle/>
-              <a:p>
-                <a:pPr algn="ctr"/>
-                <a:r>
-                  <a:rPr lang="en-IS" dirty="0">
-                    <a:solidFill>
-                      <a:schemeClr val="tx1"/>
-                    </a:solidFill>
-                    <a:latin typeface="Helvetica" pitchFamily="2" charset="0"/>
-                  </a:rPr>
-                  <a:t>4</a:t>
-                </a:r>
-              </a:p>
-            </p:txBody>
-          </p:sp>
-          <p:sp>
-            <p:nvSpPr>
-              <p:cNvPr id="51" name="Oval 50">
-                <a:extLst>
-                  <a:ext uri="{FF2B5EF4-FFF2-40B4-BE49-F238E27FC236}">
-                    <a16:creationId xmlns:a16="http://schemas.microsoft.com/office/drawing/2014/main" id="{432712F3-0360-5919-C379-A593A54E4D2A}"/>
-                  </a:ext>
-                </a:extLst>
-              </p:cNvPr>
-              <p:cNvSpPr/>
-              <p:nvPr/>
-            </p:nvSpPr>
-            <p:spPr>
-              <a:xfrm>
-                <a:off x="6437022" y="1711003"/>
-                <a:ext cx="577516" cy="577516"/>
-              </a:xfrm>
-              <a:prstGeom prst="ellipse">
-                <a:avLst/>
-              </a:prstGeom>
-              <a:solidFill>
-                <a:schemeClr val="bg1"/>
-              </a:solidFill>
-              <a:ln w="19050">
-                <a:solidFill>
-                  <a:schemeClr val="tx1"/>
-                </a:solidFill>
-              </a:ln>
-            </p:spPr>
-            <p:style>
-              <a:lnRef idx="2">
-                <a:schemeClr val="accent1">
-                  <a:shade val="50000"/>
-                </a:schemeClr>
-              </a:lnRef>
-              <a:fillRef idx="1">
-                <a:schemeClr val="accent1"/>
-              </a:fillRef>
-              <a:effectRef idx="0">
-                <a:schemeClr val="accent1"/>
-              </a:effectRef>
-              <a:fontRef idx="minor">
-                <a:schemeClr val="lt1"/>
-              </a:fontRef>
-            </p:style>
-            <p:txBody>
-              <a:bodyPr rtlCol="0" anchor="ctr"/>
-              <a:lstStyle/>
-              <a:p>
-                <a:pPr algn="ctr"/>
-                <a:r>
-                  <a:rPr lang="en-IS" dirty="0">
-                    <a:solidFill>
-                      <a:schemeClr val="tx1"/>
-                    </a:solidFill>
-                    <a:latin typeface="Helvetica" pitchFamily="2" charset="0"/>
-                  </a:rPr>
-                  <a:t>5</a:t>
-                </a:r>
-              </a:p>
-            </p:txBody>
-          </p:sp>
-          <p:sp>
-            <p:nvSpPr>
-              <p:cNvPr id="52" name="Oval 51">
-                <a:extLst>
-                  <a:ext uri="{FF2B5EF4-FFF2-40B4-BE49-F238E27FC236}">
-                    <a16:creationId xmlns:a16="http://schemas.microsoft.com/office/drawing/2014/main" id="{BC928482-AEBE-22D5-FEE4-4508472E8FD1}"/>
-                  </a:ext>
-                </a:extLst>
-              </p:cNvPr>
-              <p:cNvSpPr/>
-              <p:nvPr/>
-            </p:nvSpPr>
-            <p:spPr>
-              <a:xfrm>
-                <a:off x="6437022" y="4569481"/>
-                <a:ext cx="577516" cy="577516"/>
-              </a:xfrm>
-              <a:prstGeom prst="ellipse">
-                <a:avLst/>
-              </a:prstGeom>
-              <a:solidFill>
-                <a:schemeClr val="bg1"/>
-              </a:solidFill>
-              <a:ln w="19050">
-                <a:solidFill>
-                  <a:schemeClr val="tx1"/>
-                </a:solidFill>
-              </a:ln>
-            </p:spPr>
-            <p:style>
-              <a:lnRef idx="2">
-                <a:schemeClr val="accent1">
-                  <a:shade val="50000"/>
-                </a:schemeClr>
-              </a:lnRef>
-              <a:fillRef idx="1">
-                <a:schemeClr val="accent1"/>
-              </a:fillRef>
-              <a:effectRef idx="0">
-                <a:schemeClr val="accent1"/>
-              </a:effectRef>
-              <a:fontRef idx="minor">
-                <a:schemeClr val="lt1"/>
-              </a:fontRef>
-            </p:style>
-            <p:txBody>
-              <a:bodyPr rtlCol="0" anchor="ctr"/>
-              <a:lstStyle/>
-              <a:p>
-                <a:pPr algn="ctr"/>
-                <a:r>
-                  <a:rPr lang="en-IS" dirty="0">
-                    <a:solidFill>
-                      <a:schemeClr val="tx1"/>
-                    </a:solidFill>
-                    <a:latin typeface="Helvetica" pitchFamily="2" charset="0"/>
-                  </a:rPr>
-                  <a:t>7</a:t>
-                </a:r>
-              </a:p>
-            </p:txBody>
-          </p:sp>
-          <p:sp>
-            <p:nvSpPr>
-              <p:cNvPr id="53" name="Oval 52">
-                <a:extLst>
-                  <a:ext uri="{FF2B5EF4-FFF2-40B4-BE49-F238E27FC236}">
-                    <a16:creationId xmlns:a16="http://schemas.microsoft.com/office/drawing/2014/main" id="{37160B8C-273E-220A-1CA1-85C9C443DCF7}"/>
-                  </a:ext>
-                </a:extLst>
-              </p:cNvPr>
-              <p:cNvSpPr/>
-              <p:nvPr/>
-            </p:nvSpPr>
-            <p:spPr>
-              <a:xfrm>
-                <a:off x="8050563" y="3140242"/>
-                <a:ext cx="577516" cy="577516"/>
-              </a:xfrm>
-              <a:prstGeom prst="ellipse">
-                <a:avLst/>
-              </a:prstGeom>
-              <a:solidFill>
-                <a:schemeClr val="bg1"/>
-              </a:solidFill>
-              <a:ln w="19050">
-                <a:solidFill>
-                  <a:schemeClr val="tx1"/>
-                </a:solidFill>
-              </a:ln>
-            </p:spPr>
-            <p:style>
-              <a:lnRef idx="2">
-                <a:schemeClr val="accent1">
-                  <a:shade val="50000"/>
-                </a:schemeClr>
-              </a:lnRef>
-              <a:fillRef idx="1">
-                <a:schemeClr val="accent1"/>
-              </a:fillRef>
-              <a:effectRef idx="0">
-                <a:schemeClr val="accent1"/>
-              </a:effectRef>
-              <a:fontRef idx="minor">
-                <a:schemeClr val="lt1"/>
-              </a:fontRef>
-            </p:style>
-            <p:txBody>
-              <a:bodyPr rtlCol="0" anchor="ctr"/>
-              <a:lstStyle/>
-              <a:p>
-                <a:pPr algn="ctr"/>
-                <a:r>
-                  <a:rPr lang="en-IS" dirty="0">
-                    <a:solidFill>
-                      <a:schemeClr val="tx1"/>
-                    </a:solidFill>
-                    <a:latin typeface="Helvetica" pitchFamily="2" charset="0"/>
-                  </a:rPr>
-                  <a:t>6</a:t>
-                </a:r>
-              </a:p>
-            </p:txBody>
-          </p:sp>
-          <p:cxnSp>
-            <p:nvCxnSpPr>
-              <p:cNvPr id="54" name="Straight Arrow Connector 53">
-                <a:extLst>
-                  <a:ext uri="{FF2B5EF4-FFF2-40B4-BE49-F238E27FC236}">
-                    <a16:creationId xmlns:a16="http://schemas.microsoft.com/office/drawing/2014/main" id="{A953F07D-AD63-BFBC-5EBF-C3C51B4BB420}"/>
+                    <a16:creationId xmlns:a16="http://schemas.microsoft.com/office/drawing/2014/main" id="{49C303CE-748C-6D18-E08B-43956C4FC8F4}"/>
                   </a:ext>
                 </a:extLst>
               </p:cNvPr>
               <p:cNvCxnSpPr>
-                <a:stCxn id="46" idx="7"/>
-                <a:endCxn id="47" idx="3"/>
+                <a:cxnSpLocks/>
+                <a:stCxn id="7" idx="3"/>
+                <a:endCxn id="6" idx="7"/>
               </p:cNvCxnSpPr>
               <p:nvPr/>
             </p:nvCxnSpPr>
             <p:spPr>
-              <a:xfrm flipV="1">
-                <a:off x="1353591" y="2203944"/>
-                <a:ext cx="1139504" cy="1020873"/>
+              <a:xfrm flipH="1">
+                <a:off x="4379377" y="592856"/>
+                <a:ext cx="1042464" cy="1062848"/>
               </a:xfrm>
               <a:prstGeom prst="straightConnector1">
                 <a:avLst/>
@@ -7237,26 +6742,396 @@
               </a:fontRef>
             </p:style>
           </p:cxnSp>
+          <p:sp>
+            <p:nvSpPr>
+              <p:cNvPr id="4" name="TextBox 3">
+                <a:extLst>
+                  <a:ext uri="{FF2B5EF4-FFF2-40B4-BE49-F238E27FC236}">
+                    <a16:creationId xmlns:a16="http://schemas.microsoft.com/office/drawing/2014/main" id="{C9806D0F-145F-6C12-96E5-D509C4CCEEC1}"/>
+                  </a:ext>
+                </a:extLst>
+              </p:cNvPr>
+              <p:cNvSpPr txBox="1"/>
+              <p:nvPr/>
+            </p:nvSpPr>
+            <p:spPr>
+              <a:xfrm>
+                <a:off x="4647975" y="939614"/>
+                <a:ext cx="505267" cy="369332"/>
+              </a:xfrm>
+              <a:prstGeom prst="rect">
+                <a:avLst/>
+              </a:prstGeom>
+              <a:solidFill>
+                <a:schemeClr val="bg1"/>
+              </a:solidFill>
+            </p:spPr>
+            <p:txBody>
+              <a:bodyPr wrap="none" rtlCol="0">
+                <a:spAutoFit/>
+              </a:bodyPr>
+              <a:lstStyle/>
+              <a:p>
+                <a:r>
+                  <a:rPr lang="en-IS" dirty="0">
+                    <a:latin typeface="Helvetica" pitchFamily="2" charset="0"/>
+                  </a:rPr>
+                  <a:t>0.7</a:t>
+                </a:r>
+              </a:p>
+            </p:txBody>
+          </p:sp>
+        </p:grpSp>
+        <p:sp>
+          <p:nvSpPr>
+            <p:cNvPr id="6" name="Oval 5">
+              <a:extLst>
+                <a:ext uri="{FF2B5EF4-FFF2-40B4-BE49-F238E27FC236}">
+                  <a16:creationId xmlns:a16="http://schemas.microsoft.com/office/drawing/2014/main" id="{1277574A-4796-DA9B-15C2-0F907CDF7A14}"/>
+                </a:ext>
+              </a:extLst>
+            </p:cNvPr>
+            <p:cNvSpPr/>
+            <p:nvPr/>
+          </p:nvSpPr>
+          <p:spPr>
+            <a:xfrm>
+              <a:off x="3762338" y="3554627"/>
+              <a:ext cx="481290" cy="484008"/>
+            </a:xfrm>
+            <a:prstGeom prst="ellipse">
+              <a:avLst/>
+            </a:prstGeom>
+            <a:solidFill>
+              <a:schemeClr val="bg1"/>
+            </a:solidFill>
+            <a:ln w="19050">
+              <a:solidFill>
+                <a:schemeClr val="tx1"/>
+              </a:solidFill>
+            </a:ln>
+          </p:spPr>
+          <p:style>
+            <a:lnRef idx="2">
+              <a:schemeClr val="accent1">
+                <a:shade val="50000"/>
+              </a:schemeClr>
+            </a:lnRef>
+            <a:fillRef idx="1">
+              <a:schemeClr val="accent1"/>
+            </a:fillRef>
+            <a:effectRef idx="0">
+              <a:schemeClr val="accent1"/>
+            </a:effectRef>
+            <a:fontRef idx="minor">
+              <a:schemeClr val="lt1"/>
+            </a:fontRef>
+          </p:style>
+          <p:txBody>
+            <a:bodyPr rtlCol="0" anchor="ctr"/>
+            <a:lstStyle/>
+            <a:p>
+              <a:pPr algn="ctr"/>
+              <a:r>
+                <a:rPr lang="en-IS" dirty="0">
+                  <a:solidFill>
+                    <a:schemeClr val="tx1"/>
+                  </a:solidFill>
+                  <a:latin typeface="Helvetica" pitchFamily="2" charset="0"/>
+                </a:rPr>
+                <a:t>0</a:t>
+              </a:r>
+            </a:p>
+          </p:txBody>
+        </p:sp>
+        <p:sp>
+          <p:nvSpPr>
+            <p:cNvPr id="7" name="Oval 6">
+              <a:extLst>
+                <a:ext uri="{FF2B5EF4-FFF2-40B4-BE49-F238E27FC236}">
+                  <a16:creationId xmlns:a16="http://schemas.microsoft.com/office/drawing/2014/main" id="{19648B63-1955-FE6A-D848-4DB485F5291F}"/>
+                </a:ext>
+              </a:extLst>
+            </p:cNvPr>
+            <p:cNvSpPr/>
+            <p:nvPr/>
+          </p:nvSpPr>
+          <p:spPr>
+            <a:xfrm>
+              <a:off x="5145126" y="2149533"/>
+              <a:ext cx="481290" cy="484008"/>
+            </a:xfrm>
+            <a:prstGeom prst="ellipse">
+              <a:avLst/>
+            </a:prstGeom>
+            <a:solidFill>
+              <a:schemeClr val="bg1"/>
+            </a:solidFill>
+            <a:ln w="19050">
+              <a:solidFill>
+                <a:schemeClr val="tx1"/>
+              </a:solidFill>
+            </a:ln>
+          </p:spPr>
+          <p:style>
+            <a:lnRef idx="2">
+              <a:schemeClr val="accent1">
+                <a:shade val="50000"/>
+              </a:schemeClr>
+            </a:lnRef>
+            <a:fillRef idx="1">
+              <a:schemeClr val="accent1"/>
+            </a:fillRef>
+            <a:effectRef idx="0">
+              <a:schemeClr val="accent1"/>
+            </a:effectRef>
+            <a:fontRef idx="minor">
+              <a:schemeClr val="lt1"/>
+            </a:fontRef>
+          </p:style>
+          <p:txBody>
+            <a:bodyPr rtlCol="0" anchor="ctr"/>
+            <a:lstStyle/>
+            <a:p>
+              <a:pPr algn="ctr"/>
+              <a:r>
+                <a:rPr lang="en-IS" dirty="0">
+                  <a:solidFill>
+                    <a:schemeClr val="tx1"/>
+                  </a:solidFill>
+                  <a:latin typeface="Helvetica" pitchFamily="2" charset="0"/>
+                </a:rPr>
+                <a:t>3</a:t>
+              </a:r>
+            </a:p>
+          </p:txBody>
+        </p:sp>
+        <p:sp>
+          <p:nvSpPr>
+            <p:cNvPr id="8" name="Oval 7">
+              <a:extLst>
+                <a:ext uri="{FF2B5EF4-FFF2-40B4-BE49-F238E27FC236}">
+                  <a16:creationId xmlns:a16="http://schemas.microsoft.com/office/drawing/2014/main" id="{CA8653AD-0688-FA20-A120-20F95C01258C}"/>
+                </a:ext>
+              </a:extLst>
+            </p:cNvPr>
+            <p:cNvSpPr/>
+            <p:nvPr/>
+          </p:nvSpPr>
+          <p:spPr>
+            <a:xfrm>
+              <a:off x="6688688" y="3429000"/>
+              <a:ext cx="481290" cy="484008"/>
+            </a:xfrm>
+            <a:prstGeom prst="ellipse">
+              <a:avLst/>
+            </a:prstGeom>
+            <a:solidFill>
+              <a:schemeClr val="bg1"/>
+            </a:solidFill>
+            <a:ln w="19050">
+              <a:solidFill>
+                <a:schemeClr val="tx1"/>
+              </a:solidFill>
+            </a:ln>
+          </p:spPr>
+          <p:style>
+            <a:lnRef idx="2">
+              <a:schemeClr val="accent1">
+                <a:shade val="50000"/>
+              </a:schemeClr>
+            </a:lnRef>
+            <a:fillRef idx="1">
+              <a:schemeClr val="accent1"/>
+            </a:fillRef>
+            <a:effectRef idx="0">
+              <a:schemeClr val="accent1"/>
+            </a:effectRef>
+            <a:fontRef idx="minor">
+              <a:schemeClr val="lt1"/>
+            </a:fontRef>
+          </p:style>
+          <p:txBody>
+            <a:bodyPr rtlCol="0" anchor="ctr"/>
+            <a:lstStyle/>
+            <a:p>
+              <a:pPr algn="ctr"/>
+              <a:r>
+                <a:rPr lang="en-IS" dirty="0">
+                  <a:solidFill>
+                    <a:schemeClr val="tx1"/>
+                  </a:solidFill>
+                  <a:latin typeface="Helvetica" pitchFamily="2" charset="0"/>
+                </a:rPr>
+                <a:t>2</a:t>
+              </a:r>
+            </a:p>
+          </p:txBody>
+        </p:sp>
+        <p:sp>
+          <p:nvSpPr>
+            <p:cNvPr id="9" name="Oval 8">
+              <a:extLst>
+                <a:ext uri="{FF2B5EF4-FFF2-40B4-BE49-F238E27FC236}">
+                  <a16:creationId xmlns:a16="http://schemas.microsoft.com/office/drawing/2014/main" id="{D1C26F54-6265-10DC-DA57-5ED3767B3D2F}"/>
+                </a:ext>
+              </a:extLst>
+            </p:cNvPr>
+            <p:cNvSpPr/>
+            <p:nvPr/>
+          </p:nvSpPr>
+          <p:spPr>
+            <a:xfrm>
+              <a:off x="5145126" y="4224460"/>
+              <a:ext cx="481290" cy="484008"/>
+            </a:xfrm>
+            <a:prstGeom prst="ellipse">
+              <a:avLst/>
+            </a:prstGeom>
+            <a:solidFill>
+              <a:schemeClr val="bg1"/>
+            </a:solidFill>
+            <a:ln w="19050">
+              <a:solidFill>
+                <a:schemeClr val="tx1"/>
+              </a:solidFill>
+            </a:ln>
+          </p:spPr>
+          <p:style>
+            <a:lnRef idx="2">
+              <a:schemeClr val="accent1">
+                <a:shade val="50000"/>
+              </a:schemeClr>
+            </a:lnRef>
+            <a:fillRef idx="1">
+              <a:schemeClr val="accent1"/>
+            </a:fillRef>
+            <a:effectRef idx="0">
+              <a:schemeClr val="accent1"/>
+            </a:effectRef>
+            <a:fontRef idx="minor">
+              <a:schemeClr val="lt1"/>
+            </a:fontRef>
+          </p:style>
+          <p:txBody>
+            <a:bodyPr rtlCol="0" anchor="ctr"/>
+            <a:lstStyle/>
+            <a:p>
+              <a:pPr algn="ctr"/>
+              <a:r>
+                <a:rPr lang="en-IS" dirty="0">
+                  <a:solidFill>
+                    <a:schemeClr val="tx1"/>
+                  </a:solidFill>
+                  <a:latin typeface="Helvetica" pitchFamily="2" charset="0"/>
+                </a:rPr>
+                <a:t>1</a:t>
+              </a:r>
+            </a:p>
+          </p:txBody>
+        </p:sp>
+        <p:sp>
+          <p:nvSpPr>
+            <p:cNvPr id="10" name="Oval 9">
+              <a:extLst>
+                <a:ext uri="{FF2B5EF4-FFF2-40B4-BE49-F238E27FC236}">
+                  <a16:creationId xmlns:a16="http://schemas.microsoft.com/office/drawing/2014/main" id="{40775961-D849-27CC-0273-2742660F402D}"/>
+                </a:ext>
+              </a:extLst>
+            </p:cNvPr>
+            <p:cNvSpPr/>
+            <p:nvPr/>
+          </p:nvSpPr>
+          <p:spPr>
+            <a:xfrm>
+              <a:off x="6619377" y="5080210"/>
+              <a:ext cx="481290" cy="484008"/>
+            </a:xfrm>
+            <a:prstGeom prst="ellipse">
+              <a:avLst/>
+            </a:prstGeom>
+            <a:solidFill>
+              <a:schemeClr val="bg1"/>
+            </a:solidFill>
+            <a:ln w="19050">
+              <a:solidFill>
+                <a:schemeClr val="tx1"/>
+              </a:solidFill>
+            </a:ln>
+          </p:spPr>
+          <p:style>
+            <a:lnRef idx="2">
+              <a:schemeClr val="accent1">
+                <a:shade val="50000"/>
+              </a:schemeClr>
+            </a:lnRef>
+            <a:fillRef idx="1">
+              <a:schemeClr val="accent1"/>
+            </a:fillRef>
+            <a:effectRef idx="0">
+              <a:schemeClr val="accent1"/>
+            </a:effectRef>
+            <a:fontRef idx="minor">
+              <a:schemeClr val="lt1"/>
+            </a:fontRef>
+          </p:style>
+          <p:txBody>
+            <a:bodyPr rtlCol="0" anchor="ctr"/>
+            <a:lstStyle/>
+            <a:p>
+              <a:pPr algn="ctr"/>
+              <a:r>
+                <a:rPr lang="en-IS" dirty="0">
+                  <a:solidFill>
+                    <a:schemeClr val="tx1"/>
+                  </a:solidFill>
+                  <a:latin typeface="Helvetica" pitchFamily="2" charset="0"/>
+                </a:rPr>
+                <a:t>4</a:t>
+              </a:r>
+            </a:p>
+          </p:txBody>
+        </p:sp>
+        <p:grpSp>
+          <p:nvGrpSpPr>
+            <p:cNvPr id="13" name="Group 12">
+              <a:extLst>
+                <a:ext uri="{FF2B5EF4-FFF2-40B4-BE49-F238E27FC236}">
+                  <a16:creationId xmlns:a16="http://schemas.microsoft.com/office/drawing/2014/main" id="{0644B617-B28A-F647-42C5-ABD44202DC23}"/>
+                </a:ext>
+              </a:extLst>
+            </p:cNvPr>
+            <p:cNvGrpSpPr/>
+            <p:nvPr/>
+          </p:nvGrpSpPr>
+          <p:grpSpPr>
+            <a:xfrm>
+              <a:off x="5555933" y="2562660"/>
+              <a:ext cx="1203238" cy="937221"/>
+              <a:chOff x="4189843" y="1158784"/>
+              <a:chExt cx="1203238" cy="937221"/>
+            </a:xfrm>
+          </p:grpSpPr>
           <p:cxnSp>
             <p:nvCxnSpPr>
-              <p:cNvPr id="55" name="Straight Arrow Connector 54">
+              <p:cNvPr id="14" name="Straight Arrow Connector 13">
                 <a:extLst>
                   <a:ext uri="{FF2B5EF4-FFF2-40B4-BE49-F238E27FC236}">
-                    <a16:creationId xmlns:a16="http://schemas.microsoft.com/office/drawing/2014/main" id="{1FE30E65-4432-8D29-297A-F51B9A86DE0F}"/>
+                    <a16:creationId xmlns:a16="http://schemas.microsoft.com/office/drawing/2014/main" id="{C497018B-E2F7-1237-9B57-60A9093466C7}"/>
                   </a:ext>
                 </a:extLst>
               </p:cNvPr>
               <p:cNvCxnSpPr>
                 <a:cxnSpLocks/>
-                <a:stCxn id="47" idx="6"/>
-                <a:endCxn id="49" idx="2"/>
+                <a:stCxn id="8" idx="1"/>
+                <a:endCxn id="7" idx="5"/>
               </p:cNvCxnSpPr>
               <p:nvPr/>
             </p:nvCxnSpPr>
             <p:spPr>
-              <a:xfrm>
-                <a:off x="2986036" y="1999761"/>
-                <a:ext cx="1436735" cy="0"/>
+              <a:xfrm flipH="1" flipV="1">
+                <a:off x="4189843" y="1158784"/>
+                <a:ext cx="1203238" cy="937221"/>
               </a:xfrm>
               <a:prstGeom prst="straightConnector1">
                 <a:avLst/>
@@ -7283,24 +7158,86 @@
               </a:fontRef>
             </p:style>
           </p:cxnSp>
+          <p:sp>
+            <p:nvSpPr>
+              <p:cNvPr id="15" name="TextBox 14">
+                <a:extLst>
+                  <a:ext uri="{FF2B5EF4-FFF2-40B4-BE49-F238E27FC236}">
+                    <a16:creationId xmlns:a16="http://schemas.microsoft.com/office/drawing/2014/main" id="{921044AE-38C1-9F24-CA82-E06916DBA4FC}"/>
+                  </a:ext>
+                </a:extLst>
+              </p:cNvPr>
+              <p:cNvSpPr txBox="1"/>
+              <p:nvPr/>
+            </p:nvSpPr>
+            <p:spPr>
+              <a:xfrm>
+                <a:off x="4477276" y="1442728"/>
+                <a:ext cx="505267" cy="369332"/>
+              </a:xfrm>
+              <a:prstGeom prst="rect">
+                <a:avLst/>
+              </a:prstGeom>
+              <a:solidFill>
+                <a:schemeClr val="bg1"/>
+              </a:solidFill>
+            </p:spPr>
+            <p:txBody>
+              <a:bodyPr wrap="none" rtlCol="0">
+                <a:spAutoFit/>
+              </a:bodyPr>
+              <a:lstStyle/>
+              <a:p>
+                <a:r>
+                  <a:rPr lang="en-IS" dirty="0">
+                    <a:latin typeface="Helvetica" pitchFamily="2" charset="0"/>
+                  </a:rPr>
+                  <a:t>0.6</a:t>
+                </a:r>
+              </a:p>
+            </p:txBody>
+          </p:sp>
+        </p:grpSp>
+        <p:grpSp>
+          <p:nvGrpSpPr>
+            <p:cNvPr id="26" name="Group 25">
+              <a:extLst>
+                <a:ext uri="{FF2B5EF4-FFF2-40B4-BE49-F238E27FC236}">
+                  <a16:creationId xmlns:a16="http://schemas.microsoft.com/office/drawing/2014/main" id="{63C81EE5-8126-D566-74FC-5EBAE3D89CCB}"/>
+                </a:ext>
+              </a:extLst>
+            </p:cNvPr>
+            <p:cNvGrpSpPr/>
+            <p:nvPr/>
+          </p:nvGrpSpPr>
+          <p:grpSpPr>
+            <a:xfrm>
+              <a:off x="4243628" y="3543676"/>
+              <a:ext cx="2445060" cy="369332"/>
+              <a:chOff x="3358828" y="1592052"/>
+              <a:chExt cx="2445060" cy="369332"/>
+            </a:xfrm>
+          </p:grpSpPr>
           <p:cxnSp>
             <p:nvCxnSpPr>
-              <p:cNvPr id="56" name="Straight Arrow Connector 55">
+              <p:cNvPr id="27" name="Straight Arrow Connector 26">
                 <a:extLst>
                   <a:ext uri="{FF2B5EF4-FFF2-40B4-BE49-F238E27FC236}">
-                    <a16:creationId xmlns:a16="http://schemas.microsoft.com/office/drawing/2014/main" id="{0AC5B32E-8FAD-EF01-7343-FB904B82703E}"/>
+                    <a16:creationId xmlns:a16="http://schemas.microsoft.com/office/drawing/2014/main" id="{6107090F-293A-A109-8E08-2A17CE4AFF31}"/>
                   </a:ext>
                 </a:extLst>
               </p:cNvPr>
               <p:cNvCxnSpPr>
                 <a:cxnSpLocks/>
+                <a:stCxn id="8" idx="2"/>
+                <a:endCxn id="6" idx="6"/>
               </p:cNvCxnSpPr>
               <p:nvPr/>
             </p:nvCxnSpPr>
             <p:spPr>
-              <a:xfrm>
-                <a:off x="5000287" y="1984075"/>
-                <a:ext cx="1436735" cy="0"/>
+              <a:xfrm flipH="1">
+                <a:off x="3358828" y="1719380"/>
+                <a:ext cx="2445060" cy="125627"/>
               </a:xfrm>
               <a:prstGeom prst="straightConnector1">
                 <a:avLst/>
@@ -7327,26 +7264,86 @@
               </a:fontRef>
             </p:style>
           </p:cxnSp>
+          <p:sp>
+            <p:nvSpPr>
+              <p:cNvPr id="28" name="TextBox 27">
+                <a:extLst>
+                  <a:ext uri="{FF2B5EF4-FFF2-40B4-BE49-F238E27FC236}">
+                    <a16:creationId xmlns:a16="http://schemas.microsoft.com/office/drawing/2014/main" id="{6F716D37-6551-3A0C-F637-22EAF1E04460}"/>
+                  </a:ext>
+                </a:extLst>
+              </p:cNvPr>
+              <p:cNvSpPr txBox="1"/>
+              <p:nvPr/>
+            </p:nvSpPr>
+            <p:spPr>
+              <a:xfrm>
+                <a:off x="4418499" y="1592052"/>
+                <a:ext cx="505267" cy="369332"/>
+              </a:xfrm>
+              <a:prstGeom prst="rect">
+                <a:avLst/>
+              </a:prstGeom>
+              <a:solidFill>
+                <a:schemeClr val="bg1"/>
+              </a:solidFill>
+            </p:spPr>
+            <p:txBody>
+              <a:bodyPr wrap="none" rtlCol="0">
+                <a:spAutoFit/>
+              </a:bodyPr>
+              <a:lstStyle/>
+              <a:p>
+                <a:r>
+                  <a:rPr lang="en-IS" dirty="0">
+                    <a:latin typeface="Helvetica" pitchFamily="2" charset="0"/>
+                  </a:rPr>
+                  <a:t>0.6</a:t>
+                </a:r>
+              </a:p>
+            </p:txBody>
+          </p:sp>
+        </p:grpSp>
+        <p:grpSp>
+          <p:nvGrpSpPr>
+            <p:cNvPr id="31" name="Group 30">
+              <a:extLst>
+                <a:ext uri="{FF2B5EF4-FFF2-40B4-BE49-F238E27FC236}">
+                  <a16:creationId xmlns:a16="http://schemas.microsoft.com/office/drawing/2014/main" id="{D3C32D36-F5C8-4000-15AE-8EE88E705260}"/>
+                </a:ext>
+              </a:extLst>
+            </p:cNvPr>
+            <p:cNvGrpSpPr/>
+            <p:nvPr/>
+          </p:nvGrpSpPr>
+          <p:grpSpPr>
+            <a:xfrm>
+              <a:off x="5555933" y="3842127"/>
+              <a:ext cx="1203238" cy="453214"/>
+              <a:chOff x="4510875" y="1651091"/>
+              <a:chExt cx="1203238" cy="453214"/>
+            </a:xfrm>
+          </p:grpSpPr>
           <p:cxnSp>
             <p:nvCxnSpPr>
-              <p:cNvPr id="57" name="Straight Arrow Connector 56">
+              <p:cNvPr id="32" name="Straight Arrow Connector 31">
                 <a:extLst>
                   <a:ext uri="{FF2B5EF4-FFF2-40B4-BE49-F238E27FC236}">
-                    <a16:creationId xmlns:a16="http://schemas.microsoft.com/office/drawing/2014/main" id="{000BA33E-48CF-4567-57E1-40C58CFD62E3}"/>
+                    <a16:creationId xmlns:a16="http://schemas.microsoft.com/office/drawing/2014/main" id="{3475AE4D-35B8-FFC2-6B4A-566B8401F5DD}"/>
                   </a:ext>
                 </a:extLst>
               </p:cNvPr>
               <p:cNvCxnSpPr>
                 <a:cxnSpLocks/>
-                <a:stCxn id="51" idx="5"/>
-                <a:endCxn id="53" idx="1"/>
+                <a:stCxn id="8" idx="3"/>
+                <a:endCxn id="9" idx="7"/>
               </p:cNvCxnSpPr>
               <p:nvPr/>
             </p:nvCxnSpPr>
             <p:spPr>
-              <a:xfrm>
-                <a:off x="6929963" y="2203944"/>
-                <a:ext cx="1205175" cy="1020873"/>
+              <a:xfrm flipH="1">
+                <a:off x="4510875" y="1651091"/>
+                <a:ext cx="1203238" cy="453214"/>
               </a:xfrm>
               <a:prstGeom prst="straightConnector1">
                 <a:avLst/>
@@ -7373,26 +7370,86 @@
               </a:fontRef>
             </p:style>
           </p:cxnSp>
+          <p:sp>
+            <p:nvSpPr>
+              <p:cNvPr id="33" name="TextBox 32">
+                <a:extLst>
+                  <a:ext uri="{FF2B5EF4-FFF2-40B4-BE49-F238E27FC236}">
+                    <a16:creationId xmlns:a16="http://schemas.microsoft.com/office/drawing/2014/main" id="{28999F83-BCE5-EBF3-04D7-FE5B6D7047C4}"/>
+                  </a:ext>
+                </a:extLst>
+              </p:cNvPr>
+              <p:cNvSpPr txBox="1"/>
+              <p:nvPr/>
+            </p:nvSpPr>
+            <p:spPr>
+              <a:xfrm>
+                <a:off x="4980189" y="1686454"/>
+                <a:ext cx="505267" cy="369332"/>
+              </a:xfrm>
+              <a:prstGeom prst="rect">
+                <a:avLst/>
+              </a:prstGeom>
+              <a:solidFill>
+                <a:schemeClr val="bg1"/>
+              </a:solidFill>
+            </p:spPr>
+            <p:txBody>
+              <a:bodyPr wrap="none" rtlCol="0">
+                <a:spAutoFit/>
+              </a:bodyPr>
+              <a:lstStyle/>
+              <a:p>
+                <a:r>
+                  <a:rPr lang="en-IS" dirty="0">
+                    <a:latin typeface="Helvetica" pitchFamily="2" charset="0"/>
+                  </a:rPr>
+                  <a:t>1.0</a:t>
+                </a:r>
+              </a:p>
+            </p:txBody>
+          </p:sp>
+        </p:grpSp>
+        <p:grpSp>
+          <p:nvGrpSpPr>
+            <p:cNvPr id="66" name="Group 65">
+              <a:extLst>
+                <a:ext uri="{FF2B5EF4-FFF2-40B4-BE49-F238E27FC236}">
+                  <a16:creationId xmlns:a16="http://schemas.microsoft.com/office/drawing/2014/main" id="{D1B4C555-A7F7-12D6-E087-22BF59DC69D8}"/>
+                </a:ext>
+              </a:extLst>
+            </p:cNvPr>
+            <p:cNvGrpSpPr/>
+            <p:nvPr/>
+          </p:nvGrpSpPr>
+          <p:grpSpPr>
+            <a:xfrm>
+              <a:off x="6601980" y="3913008"/>
+              <a:ext cx="582211" cy="1167202"/>
+              <a:chOff x="5404522" y="1569572"/>
+              <a:chExt cx="582211" cy="1167202"/>
+            </a:xfrm>
+          </p:grpSpPr>
           <p:cxnSp>
             <p:nvCxnSpPr>
-              <p:cNvPr id="58" name="Straight Arrow Connector 57">
+              <p:cNvPr id="67" name="Straight Arrow Connector 66">
                 <a:extLst>
                   <a:ext uri="{FF2B5EF4-FFF2-40B4-BE49-F238E27FC236}">
-                    <a16:creationId xmlns:a16="http://schemas.microsoft.com/office/drawing/2014/main" id="{DA366537-EBD4-EE66-1596-F7C20F8BFE27}"/>
+                    <a16:creationId xmlns:a16="http://schemas.microsoft.com/office/drawing/2014/main" id="{502EBC99-D0E6-A084-3965-949EC15F65DA}"/>
                   </a:ext>
                 </a:extLst>
               </p:cNvPr>
               <p:cNvCxnSpPr>
                 <a:cxnSpLocks/>
-                <a:stCxn id="46" idx="5"/>
-                <a:endCxn id="48" idx="1"/>
+                <a:stCxn id="8" idx="4"/>
+                <a:endCxn id="10" idx="0"/>
               </p:cNvCxnSpPr>
               <p:nvPr/>
             </p:nvCxnSpPr>
             <p:spPr>
-              <a:xfrm>
-                <a:off x="1353591" y="3633183"/>
-                <a:ext cx="1139504" cy="1020873"/>
+              <a:xfrm flipH="1">
+                <a:off x="5662564" y="1569572"/>
+                <a:ext cx="69311" cy="1167202"/>
               </a:xfrm>
               <a:prstGeom prst="straightConnector1">
                 <a:avLst/>
@@ -7419,625 +7476,46 @@
               </a:fontRef>
             </p:style>
           </p:cxnSp>
-          <p:cxnSp>
-            <p:nvCxnSpPr>
-              <p:cNvPr id="59" name="Straight Arrow Connector 58">
+          <p:sp>
+            <p:nvSpPr>
+              <p:cNvPr id="68" name="TextBox 67">
                 <a:extLst>
                   <a:ext uri="{FF2B5EF4-FFF2-40B4-BE49-F238E27FC236}">
-                    <a16:creationId xmlns:a16="http://schemas.microsoft.com/office/drawing/2014/main" id="{997878D6-425B-6B15-FD13-EB3E2CDEF373}"/>
+                    <a16:creationId xmlns:a16="http://schemas.microsoft.com/office/drawing/2014/main" id="{1E45E332-3235-E967-FC11-EBE94594DD46}"/>
                   </a:ext>
                 </a:extLst>
               </p:cNvPr>
-              <p:cNvCxnSpPr>
-                <a:cxnSpLocks/>
-                <a:stCxn id="48" idx="6"/>
-                <a:endCxn id="50" idx="2"/>
-              </p:cNvCxnSpPr>
+              <p:cNvSpPr txBox="1"/>
               <p:nvPr/>
-            </p:nvCxnSpPr>
+            </p:nvSpPr>
             <p:spPr>
               <a:xfrm>
-                <a:off x="2986036" y="4858239"/>
-                <a:ext cx="1436735" cy="0"/>
+                <a:off x="5404522" y="1937203"/>
+                <a:ext cx="582211" cy="369332"/>
               </a:xfrm>
-              <a:prstGeom prst="straightConnector1">
+              <a:prstGeom prst="rect">
                 <a:avLst/>
               </a:prstGeom>
-              <a:ln w="28575">
-                <a:solidFill>
-                  <a:schemeClr val="tx1"/>
-                </a:solidFill>
-                <a:tailEnd type="triangle"/>
-              </a:ln>
+              <a:solidFill>
+                <a:schemeClr val="bg1"/>
+              </a:solidFill>
             </p:spPr>
-            <p:style>
-              <a:lnRef idx="1">
-                <a:schemeClr val="accent1"/>
-              </a:lnRef>
-              <a:fillRef idx="0">
-                <a:schemeClr val="accent1"/>
-              </a:fillRef>
-              <a:effectRef idx="0">
-                <a:schemeClr val="accent1"/>
-              </a:effectRef>
-              <a:fontRef idx="minor">
-                <a:schemeClr val="tx1"/>
-              </a:fontRef>
-            </p:style>
-          </p:cxnSp>
-          <p:cxnSp>
-            <p:nvCxnSpPr>
-              <p:cNvPr id="60" name="Straight Arrow Connector 59">
-                <a:extLst>
-                  <a:ext uri="{FF2B5EF4-FFF2-40B4-BE49-F238E27FC236}">
-                    <a16:creationId xmlns:a16="http://schemas.microsoft.com/office/drawing/2014/main" id="{6B797AC0-4D2F-0C31-BEE1-A08D6884FDE3}"/>
-                  </a:ext>
-                </a:extLst>
-              </p:cNvPr>
-              <p:cNvCxnSpPr>
-                <a:cxnSpLocks/>
-              </p:cNvCxnSpPr>
-              <p:nvPr/>
-            </p:nvCxnSpPr>
-            <p:spPr>
-              <a:xfrm>
-                <a:off x="5000286" y="4877065"/>
-                <a:ext cx="1436735" cy="0"/>
-              </a:xfrm>
-              <a:prstGeom prst="straightConnector1">
-                <a:avLst/>
-              </a:prstGeom>
-              <a:ln w="28575">
-                <a:solidFill>
-                  <a:schemeClr val="tx1"/>
-                </a:solidFill>
-                <a:tailEnd type="triangle"/>
-              </a:ln>
-            </p:spPr>
-            <p:style>
-              <a:lnRef idx="1">
-                <a:schemeClr val="accent1"/>
-              </a:lnRef>
-              <a:fillRef idx="0">
-                <a:schemeClr val="accent1"/>
-              </a:fillRef>
-              <a:effectRef idx="0">
-                <a:schemeClr val="accent1"/>
-              </a:effectRef>
-              <a:fontRef idx="minor">
-                <a:schemeClr val="tx1"/>
-              </a:fontRef>
-            </p:style>
-          </p:cxnSp>
-          <p:cxnSp>
-            <p:nvCxnSpPr>
-              <p:cNvPr id="61" name="Straight Arrow Connector 60">
-                <a:extLst>
-                  <a:ext uri="{FF2B5EF4-FFF2-40B4-BE49-F238E27FC236}">
-                    <a16:creationId xmlns:a16="http://schemas.microsoft.com/office/drawing/2014/main" id="{87DF34A4-3B50-C93A-F066-4918515F3169}"/>
-                  </a:ext>
-                </a:extLst>
-              </p:cNvPr>
-              <p:cNvCxnSpPr>
-                <a:cxnSpLocks/>
-                <a:stCxn id="52" idx="7"/>
-                <a:endCxn id="53" idx="3"/>
-              </p:cNvCxnSpPr>
-              <p:nvPr/>
-            </p:nvCxnSpPr>
-            <p:spPr>
-              <a:xfrm flipV="1">
-                <a:off x="6929963" y="3633183"/>
-                <a:ext cx="1205175" cy="1020873"/>
-              </a:xfrm>
-              <a:prstGeom prst="straightConnector1">
-                <a:avLst/>
-              </a:prstGeom>
-              <a:ln w="28575">
-                <a:solidFill>
-                  <a:schemeClr val="tx1"/>
-                </a:solidFill>
-                <a:tailEnd type="triangle"/>
-              </a:ln>
-            </p:spPr>
-            <p:style>
-              <a:lnRef idx="1">
-                <a:schemeClr val="accent1"/>
-              </a:lnRef>
-              <a:fillRef idx="0">
-                <a:schemeClr val="accent1"/>
-              </a:fillRef>
-              <a:effectRef idx="0">
-                <a:schemeClr val="accent1"/>
-              </a:effectRef>
-              <a:fontRef idx="minor">
-                <a:schemeClr val="tx1"/>
-              </a:fontRef>
-            </p:style>
-          </p:cxnSp>
-          <p:cxnSp>
-            <p:nvCxnSpPr>
-              <p:cNvPr id="62" name="Straight Arrow Connector 61">
-                <a:extLst>
-                  <a:ext uri="{FF2B5EF4-FFF2-40B4-BE49-F238E27FC236}">
-                    <a16:creationId xmlns:a16="http://schemas.microsoft.com/office/drawing/2014/main" id="{DBF5F7FC-88B4-6829-8793-2AFD6F24040D}"/>
-                  </a:ext>
-                </a:extLst>
-              </p:cNvPr>
-              <p:cNvCxnSpPr>
-                <a:cxnSpLocks/>
-                <a:stCxn id="47" idx="5"/>
-                <a:endCxn id="52" idx="1"/>
-              </p:cNvCxnSpPr>
-              <p:nvPr/>
-            </p:nvCxnSpPr>
-            <p:spPr>
-              <a:xfrm>
-                <a:off x="2901461" y="2203944"/>
-                <a:ext cx="3620136" cy="2450112"/>
-              </a:xfrm>
-              <a:prstGeom prst="straightConnector1">
-                <a:avLst/>
-              </a:prstGeom>
-              <a:ln w="28575">
-                <a:solidFill>
-                  <a:schemeClr val="tx1"/>
-                </a:solidFill>
-                <a:tailEnd type="triangle"/>
-              </a:ln>
-            </p:spPr>
-            <p:style>
-              <a:lnRef idx="1">
-                <a:schemeClr val="accent1"/>
-              </a:lnRef>
-              <a:fillRef idx="0">
-                <a:schemeClr val="accent1"/>
-              </a:fillRef>
-              <a:effectRef idx="0">
-                <a:schemeClr val="accent1"/>
-              </a:effectRef>
-              <a:fontRef idx="minor">
-                <a:schemeClr val="tx1"/>
-              </a:fontRef>
-            </p:style>
-          </p:cxnSp>
-          <p:cxnSp>
-            <p:nvCxnSpPr>
-              <p:cNvPr id="63" name="Straight Arrow Connector 62">
-                <a:extLst>
-                  <a:ext uri="{FF2B5EF4-FFF2-40B4-BE49-F238E27FC236}">
-                    <a16:creationId xmlns:a16="http://schemas.microsoft.com/office/drawing/2014/main" id="{559F6B57-4A5C-64E2-0BCF-F97FF29EEB0D}"/>
-                  </a:ext>
-                </a:extLst>
-              </p:cNvPr>
-              <p:cNvCxnSpPr>
-                <a:cxnSpLocks/>
-                <a:stCxn id="49" idx="5"/>
-                <a:endCxn id="53" idx="2"/>
-              </p:cNvCxnSpPr>
-              <p:nvPr/>
-            </p:nvCxnSpPr>
-            <p:spPr>
-              <a:xfrm>
-                <a:off x="4915712" y="2203944"/>
-                <a:ext cx="3134851" cy="1225056"/>
-              </a:xfrm>
-              <a:prstGeom prst="straightConnector1">
-                <a:avLst/>
-              </a:prstGeom>
-              <a:ln w="28575">
-                <a:solidFill>
-                  <a:schemeClr val="tx1"/>
-                </a:solidFill>
-                <a:tailEnd type="triangle"/>
-              </a:ln>
-            </p:spPr>
-            <p:style>
-              <a:lnRef idx="1">
-                <a:schemeClr val="accent1"/>
-              </a:lnRef>
-              <a:fillRef idx="0">
-                <a:schemeClr val="accent1"/>
-              </a:fillRef>
-              <a:effectRef idx="0">
-                <a:schemeClr val="accent1"/>
-              </a:effectRef>
-              <a:fontRef idx="minor">
-                <a:schemeClr val="tx1"/>
-              </a:fontRef>
-            </p:style>
-          </p:cxnSp>
+            <p:txBody>
+              <a:bodyPr wrap="none" rtlCol="0">
+                <a:spAutoFit/>
+              </a:bodyPr>
+              <a:lstStyle/>
+              <a:p>
+                <a:r>
+                  <a:rPr lang="en-IS" dirty="0">
+                    <a:latin typeface="Helvetica" pitchFamily="2" charset="0"/>
+                  </a:rPr>
+                  <a:t>-0.6</a:t>
+                </a:r>
+              </a:p>
+            </p:txBody>
+          </p:sp>
         </p:grpSp>
-        <p:sp>
-          <p:nvSpPr>
-            <p:cNvPr id="36" name="TextBox 35">
-              <a:extLst>
-                <a:ext uri="{FF2B5EF4-FFF2-40B4-BE49-F238E27FC236}">
-                  <a16:creationId xmlns:a16="http://schemas.microsoft.com/office/drawing/2014/main" id="{C97F50DD-E201-A3D1-62F2-7C17B91EEBE6}"/>
-                </a:ext>
-              </a:extLst>
-            </p:cNvPr>
-            <p:cNvSpPr txBox="1"/>
-            <p:nvPr/>
-          </p:nvSpPr>
-          <p:spPr>
-            <a:xfrm>
-              <a:off x="1627145" y="2669341"/>
-              <a:ext cx="312906" cy="369332"/>
-            </a:xfrm>
-            <a:prstGeom prst="rect">
-              <a:avLst/>
-            </a:prstGeom>
-            <a:solidFill>
-              <a:schemeClr val="bg1"/>
-            </a:solidFill>
-          </p:spPr>
-          <p:txBody>
-            <a:bodyPr wrap="none" rtlCol="0">
-              <a:spAutoFit/>
-            </a:bodyPr>
-            <a:lstStyle/>
-            <a:p>
-              <a:r>
-                <a:rPr lang="en-IS" dirty="0">
-                  <a:latin typeface="Helvetica" pitchFamily="2" charset="0"/>
-                </a:rPr>
-                <a:t>1</a:t>
-              </a:r>
-            </a:p>
-          </p:txBody>
-        </p:sp>
-        <p:sp>
-          <p:nvSpPr>
-            <p:cNvPr id="37" name="TextBox 36">
-              <a:extLst>
-                <a:ext uri="{FF2B5EF4-FFF2-40B4-BE49-F238E27FC236}">
-                  <a16:creationId xmlns:a16="http://schemas.microsoft.com/office/drawing/2014/main" id="{F575EF81-F877-8844-B32D-1ABBB94B00A0}"/>
-                </a:ext>
-              </a:extLst>
-            </p:cNvPr>
-            <p:cNvSpPr txBox="1"/>
-            <p:nvPr/>
-          </p:nvSpPr>
-          <p:spPr>
-            <a:xfrm>
-              <a:off x="1627145" y="3848299"/>
-              <a:ext cx="312906" cy="369332"/>
-            </a:xfrm>
-            <a:prstGeom prst="rect">
-              <a:avLst/>
-            </a:prstGeom>
-            <a:solidFill>
-              <a:schemeClr val="bg1"/>
-            </a:solidFill>
-          </p:spPr>
-          <p:txBody>
-            <a:bodyPr wrap="none" rtlCol="0">
-              <a:spAutoFit/>
-            </a:bodyPr>
-            <a:lstStyle/>
-            <a:p>
-              <a:r>
-                <a:rPr lang="en-IS" dirty="0">
-                  <a:latin typeface="Helvetica" pitchFamily="2" charset="0"/>
-                </a:rPr>
-                <a:t>5</a:t>
-              </a:r>
-            </a:p>
-          </p:txBody>
-        </p:sp>
-        <p:sp>
-          <p:nvSpPr>
-            <p:cNvPr id="38" name="TextBox 37">
-              <a:extLst>
-                <a:ext uri="{FF2B5EF4-FFF2-40B4-BE49-F238E27FC236}">
-                  <a16:creationId xmlns:a16="http://schemas.microsoft.com/office/drawing/2014/main" id="{E31243F2-ED4F-B4A6-57E7-4DF3D31746D2}"/>
-                </a:ext>
-              </a:extLst>
-            </p:cNvPr>
-            <p:cNvSpPr txBox="1"/>
-            <p:nvPr/>
-          </p:nvSpPr>
-          <p:spPr>
-            <a:xfrm>
-              <a:off x="3097531" y="4477599"/>
-              <a:ext cx="312906" cy="369332"/>
-            </a:xfrm>
-            <a:prstGeom prst="rect">
-              <a:avLst/>
-            </a:prstGeom>
-            <a:solidFill>
-              <a:schemeClr val="bg1"/>
-            </a:solidFill>
-          </p:spPr>
-          <p:txBody>
-            <a:bodyPr wrap="none" rtlCol="0">
-              <a:spAutoFit/>
-            </a:bodyPr>
-            <a:lstStyle/>
-            <a:p>
-              <a:r>
-                <a:rPr lang="en-IS" dirty="0">
-                  <a:latin typeface="Helvetica" pitchFamily="2" charset="0"/>
-                </a:rPr>
-                <a:t>4</a:t>
-              </a:r>
-            </a:p>
-          </p:txBody>
-        </p:sp>
-        <p:sp>
-          <p:nvSpPr>
-            <p:cNvPr id="39" name="TextBox 38">
-              <a:extLst>
-                <a:ext uri="{FF2B5EF4-FFF2-40B4-BE49-F238E27FC236}">
-                  <a16:creationId xmlns:a16="http://schemas.microsoft.com/office/drawing/2014/main" id="{72FD2AB0-484A-367C-AC00-81185C399D64}"/>
-                </a:ext>
-              </a:extLst>
-            </p:cNvPr>
-            <p:cNvSpPr txBox="1"/>
-            <p:nvPr/>
-          </p:nvSpPr>
-          <p:spPr>
-            <a:xfrm>
-              <a:off x="4776165" y="4479286"/>
-              <a:ext cx="312906" cy="369332"/>
-            </a:xfrm>
-            <a:prstGeom prst="rect">
-              <a:avLst/>
-            </a:prstGeom>
-            <a:solidFill>
-              <a:schemeClr val="bg1"/>
-            </a:solidFill>
-          </p:spPr>
-          <p:txBody>
-            <a:bodyPr wrap="none" rtlCol="0">
-              <a:spAutoFit/>
-            </a:bodyPr>
-            <a:lstStyle/>
-            <a:p>
-              <a:r>
-                <a:rPr lang="en-IS" dirty="0">
-                  <a:latin typeface="Helvetica" pitchFamily="2" charset="0"/>
-                </a:rPr>
-                <a:t>4</a:t>
-              </a:r>
-            </a:p>
-          </p:txBody>
-        </p:sp>
-        <p:sp>
-          <p:nvSpPr>
-            <p:cNvPr id="40" name="TextBox 39">
-              <a:extLst>
-                <a:ext uri="{FF2B5EF4-FFF2-40B4-BE49-F238E27FC236}">
-                  <a16:creationId xmlns:a16="http://schemas.microsoft.com/office/drawing/2014/main" id="{58AA813D-CDA6-FFDD-F5FA-D7063784C9BC}"/>
-                </a:ext>
-              </a:extLst>
-            </p:cNvPr>
-            <p:cNvSpPr txBox="1"/>
-            <p:nvPr/>
-          </p:nvSpPr>
-          <p:spPr>
-            <a:xfrm>
-              <a:off x="3929866" y="3228723"/>
-              <a:ext cx="312906" cy="369332"/>
-            </a:xfrm>
-            <a:prstGeom prst="rect">
-              <a:avLst/>
-            </a:prstGeom>
-            <a:solidFill>
-              <a:schemeClr val="bg1"/>
-            </a:solidFill>
-          </p:spPr>
-          <p:txBody>
-            <a:bodyPr wrap="none" rtlCol="0">
-              <a:spAutoFit/>
-            </a:bodyPr>
-            <a:lstStyle/>
-            <a:p>
-              <a:r>
-                <a:rPr lang="en-IS" dirty="0">
-                  <a:latin typeface="Helvetica" pitchFamily="2" charset="0"/>
-                </a:rPr>
-                <a:t>6</a:t>
-              </a:r>
-            </a:p>
-          </p:txBody>
-        </p:sp>
-        <p:sp>
-          <p:nvSpPr>
-            <p:cNvPr id="41" name="TextBox 40">
-              <a:extLst>
-                <a:ext uri="{FF2B5EF4-FFF2-40B4-BE49-F238E27FC236}">
-                  <a16:creationId xmlns:a16="http://schemas.microsoft.com/office/drawing/2014/main" id="{467A12D6-D29E-8FFF-8E81-A567D94C0264}"/>
-                </a:ext>
-              </a:extLst>
-            </p:cNvPr>
-            <p:cNvSpPr txBox="1"/>
-            <p:nvPr/>
-          </p:nvSpPr>
-          <p:spPr>
-            <a:xfrm>
-              <a:off x="6301739" y="3843246"/>
-              <a:ext cx="312906" cy="369332"/>
-            </a:xfrm>
-            <a:prstGeom prst="rect">
-              <a:avLst/>
-            </a:prstGeom>
-            <a:solidFill>
-              <a:schemeClr val="bg1"/>
-            </a:solidFill>
-          </p:spPr>
-          <p:txBody>
-            <a:bodyPr wrap="none" rtlCol="0">
-              <a:spAutoFit/>
-            </a:bodyPr>
-            <a:lstStyle/>
-            <a:p>
-              <a:r>
-                <a:rPr lang="en-IS" dirty="0">
-                  <a:latin typeface="Helvetica" pitchFamily="2" charset="0"/>
-                </a:rPr>
-                <a:t>4</a:t>
-              </a:r>
-            </a:p>
-          </p:txBody>
-        </p:sp>
-        <p:sp>
-          <p:nvSpPr>
-            <p:cNvPr id="42" name="TextBox 41">
-              <a:extLst>
-                <a:ext uri="{FF2B5EF4-FFF2-40B4-BE49-F238E27FC236}">
-                  <a16:creationId xmlns:a16="http://schemas.microsoft.com/office/drawing/2014/main" id="{71A540C0-3FBA-93A9-BF95-D70904B45EB2}"/>
-                </a:ext>
-              </a:extLst>
-            </p:cNvPr>
-            <p:cNvSpPr txBox="1"/>
-            <p:nvPr/>
-          </p:nvSpPr>
-          <p:spPr>
-            <a:xfrm>
-              <a:off x="5281247" y="2681173"/>
-              <a:ext cx="312906" cy="369332"/>
-            </a:xfrm>
-            <a:prstGeom prst="rect">
-              <a:avLst/>
-            </a:prstGeom>
-            <a:solidFill>
-              <a:schemeClr val="bg1"/>
-            </a:solidFill>
-          </p:spPr>
-          <p:txBody>
-            <a:bodyPr wrap="none" rtlCol="0">
-              <a:spAutoFit/>
-            </a:bodyPr>
-            <a:lstStyle/>
-            <a:p>
-              <a:r>
-                <a:rPr lang="en-IS" dirty="0">
-                  <a:latin typeface="Helvetica" pitchFamily="2" charset="0"/>
-                </a:rPr>
-                <a:t>5</a:t>
-              </a:r>
-            </a:p>
-          </p:txBody>
-        </p:sp>
-        <p:sp>
-          <p:nvSpPr>
-            <p:cNvPr id="43" name="TextBox 42">
-              <a:extLst>
-                <a:ext uri="{FF2B5EF4-FFF2-40B4-BE49-F238E27FC236}">
-                  <a16:creationId xmlns:a16="http://schemas.microsoft.com/office/drawing/2014/main" id="{B6FA64FE-B9F0-5BC2-FC89-835EFF4F357F}"/>
-                </a:ext>
-              </a:extLst>
-            </p:cNvPr>
-            <p:cNvSpPr txBox="1"/>
-            <p:nvPr/>
-          </p:nvSpPr>
-          <p:spPr>
-            <a:xfrm>
-              <a:off x="3111443" y="2041703"/>
-              <a:ext cx="312906" cy="369332"/>
-            </a:xfrm>
-            <a:prstGeom prst="rect">
-              <a:avLst/>
-            </a:prstGeom>
-            <a:solidFill>
-              <a:schemeClr val="bg1"/>
-            </a:solidFill>
-          </p:spPr>
-          <p:txBody>
-            <a:bodyPr wrap="none" rtlCol="0">
-              <a:spAutoFit/>
-            </a:bodyPr>
-            <a:lstStyle/>
-            <a:p>
-              <a:r>
-                <a:rPr lang="en-IS" dirty="0">
-                  <a:latin typeface="Helvetica" pitchFamily="2" charset="0"/>
-                </a:rPr>
-                <a:t>3</a:t>
-              </a:r>
-            </a:p>
-          </p:txBody>
-        </p:sp>
-        <p:sp>
-          <p:nvSpPr>
-            <p:cNvPr id="44" name="TextBox 43">
-              <a:extLst>
-                <a:ext uri="{FF2B5EF4-FFF2-40B4-BE49-F238E27FC236}">
-                  <a16:creationId xmlns:a16="http://schemas.microsoft.com/office/drawing/2014/main" id="{DBFD6538-BC28-3381-7DF5-F2B71EF884B4}"/>
-                </a:ext>
-              </a:extLst>
-            </p:cNvPr>
-            <p:cNvSpPr txBox="1"/>
-            <p:nvPr/>
-          </p:nvSpPr>
-          <p:spPr>
-            <a:xfrm>
-              <a:off x="4754836" y="2048726"/>
-              <a:ext cx="312906" cy="369332"/>
-            </a:xfrm>
-            <a:prstGeom prst="rect">
-              <a:avLst/>
-            </a:prstGeom>
-            <a:solidFill>
-              <a:schemeClr val="bg1"/>
-            </a:solidFill>
-          </p:spPr>
-          <p:txBody>
-            <a:bodyPr wrap="none" rtlCol="0">
-              <a:spAutoFit/>
-            </a:bodyPr>
-            <a:lstStyle/>
-            <a:p>
-              <a:r>
-                <a:rPr lang="en-IS" dirty="0">
-                  <a:latin typeface="Helvetica" pitchFamily="2" charset="0"/>
-                </a:rPr>
-                <a:t>2</a:t>
-              </a:r>
-            </a:p>
-          </p:txBody>
-        </p:sp>
-        <p:sp>
-          <p:nvSpPr>
-            <p:cNvPr id="45" name="TextBox 44">
-              <a:extLst>
-                <a:ext uri="{FF2B5EF4-FFF2-40B4-BE49-F238E27FC236}">
-                  <a16:creationId xmlns:a16="http://schemas.microsoft.com/office/drawing/2014/main" id="{1DB5D88B-A1FD-5C49-A7B3-47ADE9378348}"/>
-                </a:ext>
-              </a:extLst>
-            </p:cNvPr>
-            <p:cNvSpPr txBox="1"/>
-            <p:nvPr/>
-          </p:nvSpPr>
-          <p:spPr>
-            <a:xfrm>
-              <a:off x="6244789" y="2600103"/>
-              <a:ext cx="312906" cy="369332"/>
-            </a:xfrm>
-            <a:prstGeom prst="rect">
-              <a:avLst/>
-            </a:prstGeom>
-            <a:solidFill>
-              <a:schemeClr val="bg1"/>
-            </a:solidFill>
-          </p:spPr>
-          <p:txBody>
-            <a:bodyPr wrap="none" rtlCol="0">
-              <a:spAutoFit/>
-            </a:bodyPr>
-            <a:lstStyle/>
-            <a:p>
-              <a:r>
-                <a:rPr lang="en-IS" dirty="0">
-                  <a:latin typeface="Helvetica" pitchFamily="2" charset="0"/>
-                </a:rPr>
-                <a:t>2</a:t>
-              </a:r>
-            </a:p>
-          </p:txBody>
-        </p:sp>
       </p:grpSp>
     </p:spTree>
     <p:extLst>

--- a/HD11/src/V3/dijkstra.pptx
+++ b/HD11/src/V3/dijkstra.pptx
@@ -16,6 +16,7 @@
     <p:sldId id="265" r:id="rId10"/>
     <p:sldId id="266" r:id="rId11"/>
     <p:sldId id="267" r:id="rId12"/>
+    <p:sldId id="268" r:id="rId13"/>
   </p:sldIdLst>
   <p:sldSz cx="12192000" cy="6858000"/>
   <p:notesSz cx="6858000" cy="9144000"/>
@@ -7530,6 +7531,1553 @@
 </p:sld>
 </file>
 
+<file path=ppt/slides/slide12.xml><?xml version="1.0" encoding="utf-8"?>
+<p:sld xmlns:a="http://schemas.openxmlformats.org/drawingml/2006/main" xmlns:r="http://schemas.openxmlformats.org/officeDocument/2006/relationships" xmlns:p="http://schemas.openxmlformats.org/presentationml/2006/main">
+  <p:cSld>
+    <p:spTree>
+      <p:nvGrpSpPr>
+        <p:cNvPr id="1" name=""/>
+        <p:cNvGrpSpPr/>
+        <p:nvPr/>
+      </p:nvGrpSpPr>
+      <p:grpSpPr>
+        <a:xfrm>
+          <a:off x="0" y="0"/>
+          <a:ext cx="0" cy="0"/>
+          <a:chOff x="0" y="0"/>
+          <a:chExt cx="0" cy="0"/>
+        </a:xfrm>
+      </p:grpSpPr>
+      <p:grpSp>
+        <p:nvGrpSpPr>
+          <p:cNvPr id="76" name="Group 75">
+            <a:extLst>
+              <a:ext uri="{FF2B5EF4-FFF2-40B4-BE49-F238E27FC236}">
+                <a16:creationId xmlns:a16="http://schemas.microsoft.com/office/drawing/2014/main" id="{F4B1C2F5-5BB5-EA1F-676E-2143FD2BB346}"/>
+              </a:ext>
+            </a:extLst>
+          </p:cNvPr>
+          <p:cNvGrpSpPr/>
+          <p:nvPr/>
+        </p:nvGrpSpPr>
+        <p:grpSpPr>
+          <a:xfrm>
+            <a:off x="363433" y="2070545"/>
+            <a:ext cx="11465134" cy="2716909"/>
+            <a:chOff x="618597" y="2042980"/>
+            <a:chExt cx="11465134" cy="2716909"/>
+          </a:xfrm>
+        </p:grpSpPr>
+        <p:grpSp>
+          <p:nvGrpSpPr>
+            <p:cNvPr id="43" name="Group 42">
+              <a:extLst>
+                <a:ext uri="{FF2B5EF4-FFF2-40B4-BE49-F238E27FC236}">
+                  <a16:creationId xmlns:a16="http://schemas.microsoft.com/office/drawing/2014/main" id="{359097C7-569D-0CEB-4D96-0B1947114DA8}"/>
+                </a:ext>
+              </a:extLst>
+            </p:cNvPr>
+            <p:cNvGrpSpPr/>
+            <p:nvPr/>
+          </p:nvGrpSpPr>
+          <p:grpSpPr>
+            <a:xfrm>
+              <a:off x="1757374" y="2042980"/>
+              <a:ext cx="2385735" cy="2172950"/>
+              <a:chOff x="5540347" y="1721657"/>
+              <a:chExt cx="2385735" cy="2172950"/>
+            </a:xfrm>
+          </p:grpSpPr>
+          <p:grpSp>
+            <p:nvGrpSpPr>
+              <p:cNvPr id="11" name="Group 10">
+                <a:extLst>
+                  <a:ext uri="{FF2B5EF4-FFF2-40B4-BE49-F238E27FC236}">
+                    <a16:creationId xmlns:a16="http://schemas.microsoft.com/office/drawing/2014/main" id="{404639B7-86C7-9B0C-0261-A3F59B19F6A6}"/>
+                  </a:ext>
+                </a:extLst>
+              </p:cNvPr>
+              <p:cNvGrpSpPr/>
+              <p:nvPr/>
+            </p:nvGrpSpPr>
+            <p:grpSpPr>
+              <a:xfrm>
+                <a:off x="5540347" y="2205665"/>
+                <a:ext cx="505267" cy="1204934"/>
+                <a:chOff x="4362723" y="2359414"/>
+                <a:chExt cx="505267" cy="1204934"/>
+              </a:xfrm>
+            </p:grpSpPr>
+            <p:cxnSp>
+              <p:nvCxnSpPr>
+                <p:cNvPr id="3" name="Straight Arrow Connector 2">
+                  <a:extLst>
+                    <a:ext uri="{FF2B5EF4-FFF2-40B4-BE49-F238E27FC236}">
+                      <a16:creationId xmlns:a16="http://schemas.microsoft.com/office/drawing/2014/main" id="{49C303CE-748C-6D18-E08B-43956C4FC8F4}"/>
+                    </a:ext>
+                  </a:extLst>
+                </p:cNvPr>
+                <p:cNvCxnSpPr>
+                  <a:cxnSpLocks/>
+                  <a:stCxn id="7" idx="4"/>
+                  <a:endCxn id="16" idx="0"/>
+                </p:cNvCxnSpPr>
+                <p:nvPr/>
+              </p:nvCxnSpPr>
+              <p:spPr>
+                <a:xfrm>
+                  <a:off x="4615357" y="2359414"/>
+                  <a:ext cx="0" cy="1204934"/>
+                </a:xfrm>
+                <a:prstGeom prst="straightConnector1">
+                  <a:avLst/>
+                </a:prstGeom>
+                <a:ln w="28575">
+                  <a:solidFill>
+                    <a:schemeClr val="tx1"/>
+                  </a:solidFill>
+                  <a:tailEnd type="triangle"/>
+                </a:ln>
+              </p:spPr>
+              <p:style>
+                <a:lnRef idx="1">
+                  <a:schemeClr val="accent1"/>
+                </a:lnRef>
+                <a:fillRef idx="0">
+                  <a:schemeClr val="accent1"/>
+                </a:fillRef>
+                <a:effectRef idx="0">
+                  <a:schemeClr val="accent1"/>
+                </a:effectRef>
+                <a:fontRef idx="minor">
+                  <a:schemeClr val="tx1"/>
+                </a:fontRef>
+              </p:style>
+            </p:cxnSp>
+            <p:sp>
+              <p:nvSpPr>
+                <p:cNvPr id="4" name="TextBox 3">
+                  <a:extLst>
+                    <a:ext uri="{FF2B5EF4-FFF2-40B4-BE49-F238E27FC236}">
+                      <a16:creationId xmlns:a16="http://schemas.microsoft.com/office/drawing/2014/main" id="{C9806D0F-145F-6C12-96E5-D509C4CCEEC1}"/>
+                    </a:ext>
+                  </a:extLst>
+                </p:cNvPr>
+                <p:cNvSpPr txBox="1"/>
+                <p:nvPr/>
+              </p:nvSpPr>
+              <p:spPr>
+                <a:xfrm>
+                  <a:off x="4362723" y="2777215"/>
+                  <a:ext cx="505267" cy="369332"/>
+                </a:xfrm>
+                <a:prstGeom prst="rect">
+                  <a:avLst/>
+                </a:prstGeom>
+                <a:solidFill>
+                  <a:schemeClr val="bg1"/>
+                </a:solidFill>
+              </p:spPr>
+              <p:txBody>
+                <a:bodyPr wrap="none" rtlCol="0">
+                  <a:spAutoFit/>
+                </a:bodyPr>
+                <a:lstStyle/>
+                <a:p>
+                  <a:r>
+                    <a:rPr lang="en-IS" dirty="0">
+                      <a:latin typeface="Helvetica" pitchFamily="2" charset="0"/>
+                    </a:rPr>
+                    <a:t>1.2</a:t>
+                  </a:r>
+                </a:p>
+              </p:txBody>
+            </p:sp>
+          </p:grpSp>
+          <p:sp>
+            <p:nvSpPr>
+              <p:cNvPr id="7" name="Oval 6">
+                <a:extLst>
+                  <a:ext uri="{FF2B5EF4-FFF2-40B4-BE49-F238E27FC236}">
+                    <a16:creationId xmlns:a16="http://schemas.microsoft.com/office/drawing/2014/main" id="{19648B63-1955-FE6A-D848-4DB485F5291F}"/>
+                  </a:ext>
+                </a:extLst>
+              </p:cNvPr>
+              <p:cNvSpPr/>
+              <p:nvPr/>
+            </p:nvSpPr>
+            <p:spPr>
+              <a:xfrm>
+                <a:off x="5552336" y="1721657"/>
+                <a:ext cx="481290" cy="484008"/>
+              </a:xfrm>
+              <a:prstGeom prst="ellipse">
+                <a:avLst/>
+              </a:prstGeom>
+              <a:solidFill>
+                <a:schemeClr val="bg1"/>
+              </a:solidFill>
+              <a:ln w="19050">
+                <a:solidFill>
+                  <a:schemeClr val="tx1"/>
+                </a:solidFill>
+              </a:ln>
+            </p:spPr>
+            <p:style>
+              <a:lnRef idx="2">
+                <a:schemeClr val="accent1">
+                  <a:shade val="50000"/>
+                </a:schemeClr>
+              </a:lnRef>
+              <a:fillRef idx="1">
+                <a:schemeClr val="accent1"/>
+              </a:fillRef>
+              <a:effectRef idx="0">
+                <a:schemeClr val="accent1"/>
+              </a:effectRef>
+              <a:fontRef idx="minor">
+                <a:schemeClr val="lt1"/>
+              </a:fontRef>
+            </p:style>
+            <p:txBody>
+              <a:bodyPr rtlCol="0" anchor="ctr"/>
+              <a:lstStyle/>
+              <a:p>
+                <a:pPr algn="ctr"/>
+                <a:r>
+                  <a:rPr lang="en-IS" dirty="0">
+                    <a:solidFill>
+                      <a:schemeClr val="tx1"/>
+                    </a:solidFill>
+                    <a:latin typeface="Helvetica" pitchFamily="2" charset="0"/>
+                  </a:rPr>
+                  <a:t>0</a:t>
+                </a:r>
+              </a:p>
+            </p:txBody>
+          </p:sp>
+          <p:sp>
+            <p:nvSpPr>
+              <p:cNvPr id="12" name="Oval 11">
+                <a:extLst>
+                  <a:ext uri="{FF2B5EF4-FFF2-40B4-BE49-F238E27FC236}">
+                    <a16:creationId xmlns:a16="http://schemas.microsoft.com/office/drawing/2014/main" id="{C6A2E5CB-E0DD-B36D-E062-502463FF3A56}"/>
+                  </a:ext>
+                </a:extLst>
+              </p:cNvPr>
+              <p:cNvSpPr/>
+              <p:nvPr/>
+            </p:nvSpPr>
+            <p:spPr>
+              <a:xfrm>
+                <a:off x="7432805" y="1721657"/>
+                <a:ext cx="481290" cy="484008"/>
+              </a:xfrm>
+              <a:prstGeom prst="ellipse">
+                <a:avLst/>
+              </a:prstGeom>
+              <a:solidFill>
+                <a:schemeClr val="bg1"/>
+              </a:solidFill>
+              <a:ln w="19050">
+                <a:solidFill>
+                  <a:schemeClr val="tx1"/>
+                </a:solidFill>
+              </a:ln>
+            </p:spPr>
+            <p:style>
+              <a:lnRef idx="2">
+                <a:schemeClr val="accent1">
+                  <a:shade val="50000"/>
+                </a:schemeClr>
+              </a:lnRef>
+              <a:fillRef idx="1">
+                <a:schemeClr val="accent1"/>
+              </a:fillRef>
+              <a:effectRef idx="0">
+                <a:schemeClr val="accent1"/>
+              </a:effectRef>
+              <a:fontRef idx="minor">
+                <a:schemeClr val="lt1"/>
+              </a:fontRef>
+            </p:style>
+            <p:txBody>
+              <a:bodyPr rtlCol="0" anchor="ctr"/>
+              <a:lstStyle/>
+              <a:p>
+                <a:pPr algn="ctr"/>
+                <a:r>
+                  <a:rPr lang="en-IS" dirty="0">
+                    <a:solidFill>
+                      <a:schemeClr val="tx1"/>
+                    </a:solidFill>
+                    <a:latin typeface="Helvetica" pitchFamily="2" charset="0"/>
+                  </a:rPr>
+                  <a:t>1</a:t>
+                </a:r>
+              </a:p>
+            </p:txBody>
+          </p:sp>
+          <p:sp>
+            <p:nvSpPr>
+              <p:cNvPr id="16" name="Oval 15">
+                <a:extLst>
+                  <a:ext uri="{FF2B5EF4-FFF2-40B4-BE49-F238E27FC236}">
+                    <a16:creationId xmlns:a16="http://schemas.microsoft.com/office/drawing/2014/main" id="{CCD036E6-C6BD-B701-8D21-CF1266F6D536}"/>
+                  </a:ext>
+                </a:extLst>
+              </p:cNvPr>
+              <p:cNvSpPr/>
+              <p:nvPr/>
+            </p:nvSpPr>
+            <p:spPr>
+              <a:xfrm>
+                <a:off x="5552336" y="3410599"/>
+                <a:ext cx="481290" cy="484008"/>
+              </a:xfrm>
+              <a:prstGeom prst="ellipse">
+                <a:avLst/>
+              </a:prstGeom>
+              <a:solidFill>
+                <a:schemeClr val="bg1"/>
+              </a:solidFill>
+              <a:ln w="19050">
+                <a:solidFill>
+                  <a:schemeClr val="tx1"/>
+                </a:solidFill>
+              </a:ln>
+            </p:spPr>
+            <p:style>
+              <a:lnRef idx="2">
+                <a:schemeClr val="accent1">
+                  <a:shade val="50000"/>
+                </a:schemeClr>
+              </a:lnRef>
+              <a:fillRef idx="1">
+                <a:schemeClr val="accent1"/>
+              </a:fillRef>
+              <a:effectRef idx="0">
+                <a:schemeClr val="accent1"/>
+              </a:effectRef>
+              <a:fontRef idx="minor">
+                <a:schemeClr val="lt1"/>
+              </a:fontRef>
+            </p:style>
+            <p:txBody>
+              <a:bodyPr rtlCol="0" anchor="ctr"/>
+              <a:lstStyle/>
+              <a:p>
+                <a:pPr algn="ctr"/>
+                <a:r>
+                  <a:rPr lang="en-IS" dirty="0">
+                    <a:solidFill>
+                      <a:schemeClr val="tx1"/>
+                    </a:solidFill>
+                    <a:latin typeface="Helvetica" pitchFamily="2" charset="0"/>
+                  </a:rPr>
+                  <a:t>2</a:t>
+                </a:r>
+              </a:p>
+            </p:txBody>
+          </p:sp>
+          <p:sp>
+            <p:nvSpPr>
+              <p:cNvPr id="17" name="Oval 16">
+                <a:extLst>
+                  <a:ext uri="{FF2B5EF4-FFF2-40B4-BE49-F238E27FC236}">
+                    <a16:creationId xmlns:a16="http://schemas.microsoft.com/office/drawing/2014/main" id="{94EC1C02-832C-571F-5CEE-6624C2F1D250}"/>
+                  </a:ext>
+                </a:extLst>
+              </p:cNvPr>
+              <p:cNvSpPr/>
+              <p:nvPr/>
+            </p:nvSpPr>
+            <p:spPr>
+              <a:xfrm>
+                <a:off x="7432805" y="3410599"/>
+                <a:ext cx="481290" cy="484008"/>
+              </a:xfrm>
+              <a:prstGeom prst="ellipse">
+                <a:avLst/>
+              </a:prstGeom>
+              <a:solidFill>
+                <a:schemeClr val="bg1"/>
+              </a:solidFill>
+              <a:ln w="19050">
+                <a:solidFill>
+                  <a:schemeClr val="tx1"/>
+                </a:solidFill>
+              </a:ln>
+            </p:spPr>
+            <p:style>
+              <a:lnRef idx="2">
+                <a:schemeClr val="accent1">
+                  <a:shade val="50000"/>
+                </a:schemeClr>
+              </a:lnRef>
+              <a:fillRef idx="1">
+                <a:schemeClr val="accent1"/>
+              </a:fillRef>
+              <a:effectRef idx="0">
+                <a:schemeClr val="accent1"/>
+              </a:effectRef>
+              <a:fontRef idx="minor">
+                <a:schemeClr val="lt1"/>
+              </a:fontRef>
+            </p:style>
+            <p:txBody>
+              <a:bodyPr rtlCol="0" anchor="ctr"/>
+              <a:lstStyle/>
+              <a:p>
+                <a:pPr algn="ctr"/>
+                <a:r>
+                  <a:rPr lang="en-IS" dirty="0">
+                    <a:solidFill>
+                      <a:schemeClr val="tx1"/>
+                    </a:solidFill>
+                    <a:latin typeface="Helvetica" pitchFamily="2" charset="0"/>
+                  </a:rPr>
+                  <a:t>3</a:t>
+                </a:r>
+              </a:p>
+            </p:txBody>
+          </p:sp>
+          <p:grpSp>
+            <p:nvGrpSpPr>
+              <p:cNvPr id="21" name="Group 20">
+                <a:extLst>
+                  <a:ext uri="{FF2B5EF4-FFF2-40B4-BE49-F238E27FC236}">
+                    <a16:creationId xmlns:a16="http://schemas.microsoft.com/office/drawing/2014/main" id="{E5069DAA-15E6-D89D-6197-F09F00256A12}"/>
+                  </a:ext>
+                </a:extLst>
+              </p:cNvPr>
+              <p:cNvGrpSpPr/>
+              <p:nvPr/>
+            </p:nvGrpSpPr>
+            <p:grpSpPr>
+              <a:xfrm>
+                <a:off x="6033626" y="1778995"/>
+                <a:ext cx="1399179" cy="369332"/>
+                <a:chOff x="4122078" y="2416752"/>
+                <a:chExt cx="1399179" cy="369332"/>
+              </a:xfrm>
+            </p:grpSpPr>
+            <p:cxnSp>
+              <p:nvCxnSpPr>
+                <p:cNvPr id="22" name="Straight Arrow Connector 21">
+                  <a:extLst>
+                    <a:ext uri="{FF2B5EF4-FFF2-40B4-BE49-F238E27FC236}">
+                      <a16:creationId xmlns:a16="http://schemas.microsoft.com/office/drawing/2014/main" id="{F68DF394-B003-F47F-A102-3005D79E05C1}"/>
+                    </a:ext>
+                  </a:extLst>
+                </p:cNvPr>
+                <p:cNvCxnSpPr>
+                  <a:cxnSpLocks/>
+                  <a:stCxn id="7" idx="6"/>
+                  <a:endCxn id="12" idx="2"/>
+                </p:cNvCxnSpPr>
+                <p:nvPr/>
+              </p:nvCxnSpPr>
+              <p:spPr>
+                <a:xfrm>
+                  <a:off x="4122078" y="2601418"/>
+                  <a:ext cx="1399179" cy="0"/>
+                </a:xfrm>
+                <a:prstGeom prst="straightConnector1">
+                  <a:avLst/>
+                </a:prstGeom>
+                <a:ln w="57150">
+                  <a:solidFill>
+                    <a:srgbClr val="00B0F0"/>
+                  </a:solidFill>
+                  <a:tailEnd type="triangle"/>
+                </a:ln>
+              </p:spPr>
+              <p:style>
+                <a:lnRef idx="1">
+                  <a:schemeClr val="accent1"/>
+                </a:lnRef>
+                <a:fillRef idx="0">
+                  <a:schemeClr val="accent1"/>
+                </a:fillRef>
+                <a:effectRef idx="0">
+                  <a:schemeClr val="accent1"/>
+                </a:effectRef>
+                <a:fontRef idx="minor">
+                  <a:schemeClr val="tx1"/>
+                </a:fontRef>
+              </p:style>
+            </p:cxnSp>
+            <p:sp>
+              <p:nvSpPr>
+                <p:cNvPr id="23" name="TextBox 22">
+                  <a:extLst>
+                    <a:ext uri="{FF2B5EF4-FFF2-40B4-BE49-F238E27FC236}">
+                      <a16:creationId xmlns:a16="http://schemas.microsoft.com/office/drawing/2014/main" id="{BBEC546E-D3BC-9089-F948-5A9977016559}"/>
+                    </a:ext>
+                  </a:extLst>
+                </p:cNvPr>
+                <p:cNvSpPr txBox="1"/>
+                <p:nvPr/>
+              </p:nvSpPr>
+              <p:spPr>
+                <a:xfrm>
+                  <a:off x="4460511" y="2416752"/>
+                  <a:ext cx="582211" cy="369332"/>
+                </a:xfrm>
+                <a:prstGeom prst="rect">
+                  <a:avLst/>
+                </a:prstGeom>
+                <a:solidFill>
+                  <a:schemeClr val="bg1"/>
+                </a:solidFill>
+                <a:ln>
+                  <a:noFill/>
+                </a:ln>
+              </p:spPr>
+              <p:txBody>
+                <a:bodyPr wrap="none" rtlCol="0">
+                  <a:spAutoFit/>
+                </a:bodyPr>
+                <a:lstStyle/>
+                <a:p>
+                  <a:r>
+                    <a:rPr lang="en-IS" dirty="0">
+                      <a:latin typeface="Helvetica" pitchFamily="2" charset="0"/>
+                    </a:rPr>
+                    <a:t>-0.5</a:t>
+                  </a:r>
+                </a:p>
+              </p:txBody>
+            </p:sp>
+          </p:grpSp>
+          <p:grpSp>
+            <p:nvGrpSpPr>
+              <p:cNvPr id="30" name="Group 29">
+                <a:extLst>
+                  <a:ext uri="{FF2B5EF4-FFF2-40B4-BE49-F238E27FC236}">
+                    <a16:creationId xmlns:a16="http://schemas.microsoft.com/office/drawing/2014/main" id="{DFBAE74B-A01D-E1D7-9AEA-0B65859DAFEA}"/>
+                  </a:ext>
+                </a:extLst>
+              </p:cNvPr>
+              <p:cNvGrpSpPr/>
+              <p:nvPr/>
+            </p:nvGrpSpPr>
+            <p:grpSpPr>
+              <a:xfrm>
+                <a:off x="5963143" y="2134784"/>
+                <a:ext cx="1962939" cy="1346696"/>
+                <a:chOff x="3140598" y="2161205"/>
+                <a:chExt cx="1962939" cy="1346696"/>
+              </a:xfrm>
+            </p:grpSpPr>
+            <p:cxnSp>
+              <p:nvCxnSpPr>
+                <p:cNvPr id="34" name="Straight Arrow Connector 33">
+                  <a:extLst>
+                    <a:ext uri="{FF2B5EF4-FFF2-40B4-BE49-F238E27FC236}">
+                      <a16:creationId xmlns:a16="http://schemas.microsoft.com/office/drawing/2014/main" id="{1EE3F69D-C0DE-8DE1-F3A4-20CDD8906A47}"/>
+                    </a:ext>
+                  </a:extLst>
+                </p:cNvPr>
+                <p:cNvCxnSpPr>
+                  <a:cxnSpLocks/>
+                  <a:stCxn id="12" idx="3"/>
+                  <a:endCxn id="16" idx="7"/>
+                </p:cNvCxnSpPr>
+                <p:nvPr/>
+              </p:nvCxnSpPr>
+              <p:spPr>
+                <a:xfrm flipH="1">
+                  <a:off x="3140598" y="2161205"/>
+                  <a:ext cx="1540145" cy="1346696"/>
+                </a:xfrm>
+                <a:prstGeom prst="straightConnector1">
+                  <a:avLst/>
+                </a:prstGeom>
+                <a:ln w="57150">
+                  <a:solidFill>
+                    <a:srgbClr val="00B0F0"/>
+                  </a:solidFill>
+                  <a:tailEnd type="triangle"/>
+                </a:ln>
+              </p:spPr>
+              <p:style>
+                <a:lnRef idx="1">
+                  <a:schemeClr val="accent1"/>
+                </a:lnRef>
+                <a:fillRef idx="0">
+                  <a:schemeClr val="accent1"/>
+                </a:fillRef>
+                <a:effectRef idx="0">
+                  <a:schemeClr val="accent1"/>
+                </a:effectRef>
+                <a:fontRef idx="minor">
+                  <a:schemeClr val="tx1"/>
+                </a:fontRef>
+              </p:style>
+            </p:cxnSp>
+            <p:sp>
+              <p:nvSpPr>
+                <p:cNvPr id="35" name="TextBox 34">
+                  <a:extLst>
+                    <a:ext uri="{FF2B5EF4-FFF2-40B4-BE49-F238E27FC236}">
+                      <a16:creationId xmlns:a16="http://schemas.microsoft.com/office/drawing/2014/main" id="{DF8F074C-4AE7-6960-1266-DAB82D1831D7}"/>
+                    </a:ext>
+                  </a:extLst>
+                </p:cNvPr>
+                <p:cNvSpPr txBox="1"/>
+                <p:nvPr/>
+              </p:nvSpPr>
+              <p:spPr>
+                <a:xfrm>
+                  <a:off x="3662665" y="2649887"/>
+                  <a:ext cx="505267" cy="369332"/>
+                </a:xfrm>
+                <a:prstGeom prst="rect">
+                  <a:avLst/>
+                </a:prstGeom>
+                <a:solidFill>
+                  <a:schemeClr val="bg1"/>
+                </a:solidFill>
+                <a:ln>
+                  <a:noFill/>
+                </a:ln>
+              </p:spPr>
+              <p:txBody>
+                <a:bodyPr wrap="none" rtlCol="0">
+                  <a:spAutoFit/>
+                </a:bodyPr>
+                <a:lstStyle/>
+                <a:p>
+                  <a:r>
+                    <a:rPr lang="en-IS" dirty="0">
+                      <a:latin typeface="Helvetica" pitchFamily="2" charset="0"/>
+                    </a:rPr>
+                    <a:t>1.6</a:t>
+                  </a:r>
+                </a:p>
+              </p:txBody>
+            </p:sp>
+            <p:cxnSp>
+              <p:nvCxnSpPr>
+                <p:cNvPr id="38" name="Straight Arrow Connector 37">
+                  <a:extLst>
+                    <a:ext uri="{FF2B5EF4-FFF2-40B4-BE49-F238E27FC236}">
+                      <a16:creationId xmlns:a16="http://schemas.microsoft.com/office/drawing/2014/main" id="{2C67A6E0-6D98-A404-DD5F-1D8F47171E33}"/>
+                    </a:ext>
+                  </a:extLst>
+                </p:cNvPr>
+                <p:cNvCxnSpPr>
+                  <a:cxnSpLocks/>
+                  <a:stCxn id="12" idx="4"/>
+                  <a:endCxn id="17" idx="0"/>
+                </p:cNvCxnSpPr>
+                <p:nvPr/>
+              </p:nvCxnSpPr>
+              <p:spPr>
+                <a:xfrm>
+                  <a:off x="4850905" y="2232086"/>
+                  <a:ext cx="0" cy="1204934"/>
+                </a:xfrm>
+                <a:prstGeom prst="straightConnector1">
+                  <a:avLst/>
+                </a:prstGeom>
+                <a:ln w="28575">
+                  <a:solidFill>
+                    <a:schemeClr val="tx1"/>
+                  </a:solidFill>
+                  <a:tailEnd type="triangle"/>
+                </a:ln>
+              </p:spPr>
+              <p:style>
+                <a:lnRef idx="1">
+                  <a:schemeClr val="accent1"/>
+                </a:lnRef>
+                <a:fillRef idx="0">
+                  <a:schemeClr val="accent1"/>
+                </a:fillRef>
+                <a:effectRef idx="0">
+                  <a:schemeClr val="accent1"/>
+                </a:effectRef>
+                <a:fontRef idx="minor">
+                  <a:schemeClr val="tx1"/>
+                </a:fontRef>
+              </p:style>
+            </p:cxnSp>
+            <p:sp>
+              <p:nvSpPr>
+                <p:cNvPr id="39" name="TextBox 38">
+                  <a:extLst>
+                    <a:ext uri="{FF2B5EF4-FFF2-40B4-BE49-F238E27FC236}">
+                      <a16:creationId xmlns:a16="http://schemas.microsoft.com/office/drawing/2014/main" id="{7C9485E5-D325-C2E6-2D1C-0E32CFC042DB}"/>
+                    </a:ext>
+                  </a:extLst>
+                </p:cNvPr>
+                <p:cNvSpPr txBox="1"/>
+                <p:nvPr/>
+              </p:nvSpPr>
+              <p:spPr>
+                <a:xfrm>
+                  <a:off x="4598270" y="2650729"/>
+                  <a:ext cx="505267" cy="369332"/>
+                </a:xfrm>
+                <a:prstGeom prst="rect">
+                  <a:avLst/>
+                </a:prstGeom>
+                <a:solidFill>
+                  <a:schemeClr val="bg1"/>
+                </a:solidFill>
+              </p:spPr>
+              <p:txBody>
+                <a:bodyPr wrap="none" rtlCol="0">
+                  <a:spAutoFit/>
+                </a:bodyPr>
+                <a:lstStyle/>
+                <a:p>
+                  <a:r>
+                    <a:rPr lang="en-IS" dirty="0">
+                      <a:latin typeface="Helvetica" pitchFamily="2" charset="0"/>
+                    </a:rPr>
+                    <a:t>4.2</a:t>
+                  </a:r>
+                </a:p>
+              </p:txBody>
+            </p:sp>
+          </p:grpSp>
+        </p:grpSp>
+        <p:grpSp>
+          <p:nvGrpSpPr>
+            <p:cNvPr id="46" name="Group 45">
+              <a:extLst>
+                <a:ext uri="{FF2B5EF4-FFF2-40B4-BE49-F238E27FC236}">
+                  <a16:creationId xmlns:a16="http://schemas.microsoft.com/office/drawing/2014/main" id="{54A1D886-FAE8-DE11-83A5-BD2B8483A09D}"/>
+                </a:ext>
+              </a:extLst>
+            </p:cNvPr>
+            <p:cNvGrpSpPr/>
+            <p:nvPr/>
+          </p:nvGrpSpPr>
+          <p:grpSpPr>
+            <a:xfrm>
+              <a:off x="8415604" y="2042980"/>
+              <a:ext cx="2385735" cy="2172950"/>
+              <a:chOff x="5540347" y="1721657"/>
+              <a:chExt cx="2385735" cy="2172950"/>
+            </a:xfrm>
+          </p:grpSpPr>
+          <p:grpSp>
+            <p:nvGrpSpPr>
+              <p:cNvPr id="47" name="Group 46">
+                <a:extLst>
+                  <a:ext uri="{FF2B5EF4-FFF2-40B4-BE49-F238E27FC236}">
+                    <a16:creationId xmlns:a16="http://schemas.microsoft.com/office/drawing/2014/main" id="{787FAC28-BDA7-CD9B-EA82-0AA427AC63A4}"/>
+                  </a:ext>
+                </a:extLst>
+              </p:cNvPr>
+              <p:cNvGrpSpPr/>
+              <p:nvPr/>
+            </p:nvGrpSpPr>
+            <p:grpSpPr>
+              <a:xfrm>
+                <a:off x="5540347" y="2205665"/>
+                <a:ext cx="505267" cy="1204934"/>
+                <a:chOff x="4362723" y="2359414"/>
+                <a:chExt cx="505267" cy="1204934"/>
+              </a:xfrm>
+            </p:grpSpPr>
+            <p:cxnSp>
+              <p:nvCxnSpPr>
+                <p:cNvPr id="60" name="Straight Arrow Connector 59">
+                  <a:extLst>
+                    <a:ext uri="{FF2B5EF4-FFF2-40B4-BE49-F238E27FC236}">
+                      <a16:creationId xmlns:a16="http://schemas.microsoft.com/office/drawing/2014/main" id="{D924818C-890E-E7FA-2370-24F3EA9A0A67}"/>
+                    </a:ext>
+                  </a:extLst>
+                </p:cNvPr>
+                <p:cNvCxnSpPr>
+                  <a:cxnSpLocks/>
+                  <a:stCxn id="48" idx="4"/>
+                  <a:endCxn id="50" idx="0"/>
+                </p:cNvCxnSpPr>
+                <p:nvPr/>
+              </p:nvCxnSpPr>
+              <p:spPr>
+                <a:xfrm>
+                  <a:off x="4615357" y="2359414"/>
+                  <a:ext cx="0" cy="1204934"/>
+                </a:xfrm>
+                <a:prstGeom prst="straightConnector1">
+                  <a:avLst/>
+                </a:prstGeom>
+                <a:ln w="57150">
+                  <a:solidFill>
+                    <a:srgbClr val="00B0F0"/>
+                  </a:solidFill>
+                  <a:tailEnd type="triangle"/>
+                </a:ln>
+              </p:spPr>
+              <p:style>
+                <a:lnRef idx="1">
+                  <a:schemeClr val="accent1"/>
+                </a:lnRef>
+                <a:fillRef idx="0">
+                  <a:schemeClr val="accent1"/>
+                </a:fillRef>
+                <a:effectRef idx="0">
+                  <a:schemeClr val="accent1"/>
+                </a:effectRef>
+                <a:fontRef idx="minor">
+                  <a:schemeClr val="tx1"/>
+                </a:fontRef>
+              </p:style>
+            </p:cxnSp>
+            <p:sp>
+              <p:nvSpPr>
+                <p:cNvPr id="61" name="TextBox 60">
+                  <a:extLst>
+                    <a:ext uri="{FF2B5EF4-FFF2-40B4-BE49-F238E27FC236}">
+                      <a16:creationId xmlns:a16="http://schemas.microsoft.com/office/drawing/2014/main" id="{94FC4008-6F1F-E0D9-8CB5-195D3956A5EE}"/>
+                    </a:ext>
+                  </a:extLst>
+                </p:cNvPr>
+                <p:cNvSpPr txBox="1"/>
+                <p:nvPr/>
+              </p:nvSpPr>
+              <p:spPr>
+                <a:xfrm>
+                  <a:off x="4362723" y="2777215"/>
+                  <a:ext cx="505267" cy="369332"/>
+                </a:xfrm>
+                <a:prstGeom prst="rect">
+                  <a:avLst/>
+                </a:prstGeom>
+                <a:solidFill>
+                  <a:schemeClr val="bg1"/>
+                </a:solidFill>
+              </p:spPr>
+              <p:txBody>
+                <a:bodyPr wrap="none" rtlCol="0">
+                  <a:spAutoFit/>
+                </a:bodyPr>
+                <a:lstStyle/>
+                <a:p>
+                  <a:r>
+                    <a:rPr lang="en-IS" dirty="0">
+                      <a:latin typeface="Helvetica" pitchFamily="2" charset="0"/>
+                    </a:rPr>
+                    <a:t>1.7</a:t>
+                  </a:r>
+                </a:p>
+              </p:txBody>
+            </p:sp>
+          </p:grpSp>
+          <p:sp>
+            <p:nvSpPr>
+              <p:cNvPr id="48" name="Oval 47">
+                <a:extLst>
+                  <a:ext uri="{FF2B5EF4-FFF2-40B4-BE49-F238E27FC236}">
+                    <a16:creationId xmlns:a16="http://schemas.microsoft.com/office/drawing/2014/main" id="{4CA8A7BC-F75A-8C75-64F3-36F686C52069}"/>
+                  </a:ext>
+                </a:extLst>
+              </p:cNvPr>
+              <p:cNvSpPr/>
+              <p:nvPr/>
+            </p:nvSpPr>
+            <p:spPr>
+              <a:xfrm>
+                <a:off x="5552336" y="1721657"/>
+                <a:ext cx="481290" cy="484008"/>
+              </a:xfrm>
+              <a:prstGeom prst="ellipse">
+                <a:avLst/>
+              </a:prstGeom>
+              <a:solidFill>
+                <a:schemeClr val="bg1"/>
+              </a:solidFill>
+              <a:ln w="19050">
+                <a:solidFill>
+                  <a:schemeClr val="tx1"/>
+                </a:solidFill>
+              </a:ln>
+            </p:spPr>
+            <p:style>
+              <a:lnRef idx="2">
+                <a:schemeClr val="accent1">
+                  <a:shade val="50000"/>
+                </a:schemeClr>
+              </a:lnRef>
+              <a:fillRef idx="1">
+                <a:schemeClr val="accent1"/>
+              </a:fillRef>
+              <a:effectRef idx="0">
+                <a:schemeClr val="accent1"/>
+              </a:effectRef>
+              <a:fontRef idx="minor">
+                <a:schemeClr val="lt1"/>
+              </a:fontRef>
+            </p:style>
+            <p:txBody>
+              <a:bodyPr rtlCol="0" anchor="ctr"/>
+              <a:lstStyle/>
+              <a:p>
+                <a:pPr algn="ctr"/>
+                <a:r>
+                  <a:rPr lang="en-IS" dirty="0">
+                    <a:solidFill>
+                      <a:schemeClr val="tx1"/>
+                    </a:solidFill>
+                    <a:latin typeface="Helvetica" pitchFamily="2" charset="0"/>
+                  </a:rPr>
+                  <a:t>0</a:t>
+                </a:r>
+              </a:p>
+            </p:txBody>
+          </p:sp>
+          <p:sp>
+            <p:nvSpPr>
+              <p:cNvPr id="49" name="Oval 48">
+                <a:extLst>
+                  <a:ext uri="{FF2B5EF4-FFF2-40B4-BE49-F238E27FC236}">
+                    <a16:creationId xmlns:a16="http://schemas.microsoft.com/office/drawing/2014/main" id="{FDCC045D-663E-ECC1-A3D5-265B4AEAAE92}"/>
+                  </a:ext>
+                </a:extLst>
+              </p:cNvPr>
+              <p:cNvSpPr/>
+              <p:nvPr/>
+            </p:nvSpPr>
+            <p:spPr>
+              <a:xfrm>
+                <a:off x="7432805" y="1721657"/>
+                <a:ext cx="481290" cy="484008"/>
+              </a:xfrm>
+              <a:prstGeom prst="ellipse">
+                <a:avLst/>
+              </a:prstGeom>
+              <a:solidFill>
+                <a:schemeClr val="bg1"/>
+              </a:solidFill>
+              <a:ln w="19050">
+                <a:solidFill>
+                  <a:schemeClr val="tx1"/>
+                </a:solidFill>
+              </a:ln>
+            </p:spPr>
+            <p:style>
+              <a:lnRef idx="2">
+                <a:schemeClr val="accent1">
+                  <a:shade val="50000"/>
+                </a:schemeClr>
+              </a:lnRef>
+              <a:fillRef idx="1">
+                <a:schemeClr val="accent1"/>
+              </a:fillRef>
+              <a:effectRef idx="0">
+                <a:schemeClr val="accent1"/>
+              </a:effectRef>
+              <a:fontRef idx="minor">
+                <a:schemeClr val="lt1"/>
+              </a:fontRef>
+            </p:style>
+            <p:txBody>
+              <a:bodyPr rtlCol="0" anchor="ctr"/>
+              <a:lstStyle/>
+              <a:p>
+                <a:pPr algn="ctr"/>
+                <a:r>
+                  <a:rPr lang="en-IS" dirty="0">
+                    <a:solidFill>
+                      <a:schemeClr val="tx1"/>
+                    </a:solidFill>
+                    <a:latin typeface="Helvetica" pitchFamily="2" charset="0"/>
+                  </a:rPr>
+                  <a:t>1</a:t>
+                </a:r>
+              </a:p>
+            </p:txBody>
+          </p:sp>
+          <p:sp>
+            <p:nvSpPr>
+              <p:cNvPr id="50" name="Oval 49">
+                <a:extLst>
+                  <a:ext uri="{FF2B5EF4-FFF2-40B4-BE49-F238E27FC236}">
+                    <a16:creationId xmlns:a16="http://schemas.microsoft.com/office/drawing/2014/main" id="{8106A7D4-FDC4-3508-28CE-601035F5EF87}"/>
+                  </a:ext>
+                </a:extLst>
+              </p:cNvPr>
+              <p:cNvSpPr/>
+              <p:nvPr/>
+            </p:nvSpPr>
+            <p:spPr>
+              <a:xfrm>
+                <a:off x="5552336" y="3410599"/>
+                <a:ext cx="481290" cy="484008"/>
+              </a:xfrm>
+              <a:prstGeom prst="ellipse">
+                <a:avLst/>
+              </a:prstGeom>
+              <a:solidFill>
+                <a:schemeClr val="bg1"/>
+              </a:solidFill>
+              <a:ln w="19050">
+                <a:solidFill>
+                  <a:schemeClr val="tx1"/>
+                </a:solidFill>
+              </a:ln>
+            </p:spPr>
+            <p:style>
+              <a:lnRef idx="2">
+                <a:schemeClr val="accent1">
+                  <a:shade val="50000"/>
+                </a:schemeClr>
+              </a:lnRef>
+              <a:fillRef idx="1">
+                <a:schemeClr val="accent1"/>
+              </a:fillRef>
+              <a:effectRef idx="0">
+                <a:schemeClr val="accent1"/>
+              </a:effectRef>
+              <a:fontRef idx="minor">
+                <a:schemeClr val="lt1"/>
+              </a:fontRef>
+            </p:style>
+            <p:txBody>
+              <a:bodyPr rtlCol="0" anchor="ctr"/>
+              <a:lstStyle/>
+              <a:p>
+                <a:pPr algn="ctr"/>
+                <a:r>
+                  <a:rPr lang="en-IS" dirty="0">
+                    <a:solidFill>
+                      <a:schemeClr val="tx1"/>
+                    </a:solidFill>
+                    <a:latin typeface="Helvetica" pitchFamily="2" charset="0"/>
+                  </a:rPr>
+                  <a:t>2</a:t>
+                </a:r>
+              </a:p>
+            </p:txBody>
+          </p:sp>
+          <p:sp>
+            <p:nvSpPr>
+              <p:cNvPr id="51" name="Oval 50">
+                <a:extLst>
+                  <a:ext uri="{FF2B5EF4-FFF2-40B4-BE49-F238E27FC236}">
+                    <a16:creationId xmlns:a16="http://schemas.microsoft.com/office/drawing/2014/main" id="{97EB5FD1-1A12-9BF3-64EF-E40156F15DCF}"/>
+                  </a:ext>
+                </a:extLst>
+              </p:cNvPr>
+              <p:cNvSpPr/>
+              <p:nvPr/>
+            </p:nvSpPr>
+            <p:spPr>
+              <a:xfrm>
+                <a:off x="7432805" y="3410599"/>
+                <a:ext cx="481290" cy="484008"/>
+              </a:xfrm>
+              <a:prstGeom prst="ellipse">
+                <a:avLst/>
+              </a:prstGeom>
+              <a:solidFill>
+                <a:schemeClr val="bg1"/>
+              </a:solidFill>
+              <a:ln w="19050">
+                <a:solidFill>
+                  <a:schemeClr val="tx1"/>
+                </a:solidFill>
+              </a:ln>
+            </p:spPr>
+            <p:style>
+              <a:lnRef idx="2">
+                <a:schemeClr val="accent1">
+                  <a:shade val="50000"/>
+                </a:schemeClr>
+              </a:lnRef>
+              <a:fillRef idx="1">
+                <a:schemeClr val="accent1"/>
+              </a:fillRef>
+              <a:effectRef idx="0">
+                <a:schemeClr val="accent1"/>
+              </a:effectRef>
+              <a:fontRef idx="minor">
+                <a:schemeClr val="lt1"/>
+              </a:fontRef>
+            </p:style>
+            <p:txBody>
+              <a:bodyPr rtlCol="0" anchor="ctr"/>
+              <a:lstStyle/>
+              <a:p>
+                <a:pPr algn="ctr"/>
+                <a:r>
+                  <a:rPr lang="en-IS" dirty="0">
+                    <a:solidFill>
+                      <a:schemeClr val="tx1"/>
+                    </a:solidFill>
+                    <a:latin typeface="Helvetica" pitchFamily="2" charset="0"/>
+                  </a:rPr>
+                  <a:t>3</a:t>
+                </a:r>
+              </a:p>
+            </p:txBody>
+          </p:sp>
+          <p:grpSp>
+            <p:nvGrpSpPr>
+              <p:cNvPr id="52" name="Group 51">
+                <a:extLst>
+                  <a:ext uri="{FF2B5EF4-FFF2-40B4-BE49-F238E27FC236}">
+                    <a16:creationId xmlns:a16="http://schemas.microsoft.com/office/drawing/2014/main" id="{0BAB846D-4CDF-9427-03C5-9A5BACA9B59B}"/>
+                  </a:ext>
+                </a:extLst>
+              </p:cNvPr>
+              <p:cNvGrpSpPr/>
+              <p:nvPr/>
+            </p:nvGrpSpPr>
+            <p:grpSpPr>
+              <a:xfrm>
+                <a:off x="6033626" y="1778995"/>
+                <a:ext cx="1399179" cy="369332"/>
+                <a:chOff x="4122078" y="2416752"/>
+                <a:chExt cx="1399179" cy="369332"/>
+              </a:xfrm>
+            </p:grpSpPr>
+            <p:cxnSp>
+              <p:nvCxnSpPr>
+                <p:cNvPr id="58" name="Straight Arrow Connector 57">
+                  <a:extLst>
+                    <a:ext uri="{FF2B5EF4-FFF2-40B4-BE49-F238E27FC236}">
+                      <a16:creationId xmlns:a16="http://schemas.microsoft.com/office/drawing/2014/main" id="{6DBA5648-EE8A-CD22-FE11-AEF6535FD7B3}"/>
+                    </a:ext>
+                  </a:extLst>
+                </p:cNvPr>
+                <p:cNvCxnSpPr>
+                  <a:cxnSpLocks/>
+                  <a:stCxn id="48" idx="6"/>
+                  <a:endCxn id="49" idx="2"/>
+                </p:cNvCxnSpPr>
+                <p:nvPr/>
+              </p:nvCxnSpPr>
+              <p:spPr>
+                <a:xfrm>
+                  <a:off x="4122078" y="2601418"/>
+                  <a:ext cx="1399179" cy="0"/>
+                </a:xfrm>
+                <a:prstGeom prst="straightConnector1">
+                  <a:avLst/>
+                </a:prstGeom>
+                <a:ln w="28575">
+                  <a:solidFill>
+                    <a:schemeClr val="tx1"/>
+                  </a:solidFill>
+                  <a:tailEnd type="triangle"/>
+                </a:ln>
+              </p:spPr>
+              <p:style>
+                <a:lnRef idx="1">
+                  <a:schemeClr val="accent1"/>
+                </a:lnRef>
+                <a:fillRef idx="0">
+                  <a:schemeClr val="accent1"/>
+                </a:fillRef>
+                <a:effectRef idx="0">
+                  <a:schemeClr val="accent1"/>
+                </a:effectRef>
+                <a:fontRef idx="minor">
+                  <a:schemeClr val="tx1"/>
+                </a:fontRef>
+              </p:style>
+            </p:cxnSp>
+            <p:sp>
+              <p:nvSpPr>
+                <p:cNvPr id="59" name="TextBox 58">
+                  <a:extLst>
+                    <a:ext uri="{FF2B5EF4-FFF2-40B4-BE49-F238E27FC236}">
+                      <a16:creationId xmlns:a16="http://schemas.microsoft.com/office/drawing/2014/main" id="{D33B22BE-F959-FA3D-2AC8-2BDA3B0A4524}"/>
+                    </a:ext>
+                  </a:extLst>
+                </p:cNvPr>
+                <p:cNvSpPr txBox="1"/>
+                <p:nvPr/>
+              </p:nvSpPr>
+              <p:spPr>
+                <a:xfrm>
+                  <a:off x="4522712" y="2416752"/>
+                  <a:ext cx="505267" cy="369332"/>
+                </a:xfrm>
+                <a:prstGeom prst="rect">
+                  <a:avLst/>
+                </a:prstGeom>
+                <a:solidFill>
+                  <a:schemeClr val="bg1"/>
+                </a:solidFill>
+              </p:spPr>
+              <p:txBody>
+                <a:bodyPr wrap="none" rtlCol="0">
+                  <a:spAutoFit/>
+                </a:bodyPr>
+                <a:lstStyle/>
+                <a:p>
+                  <a:r>
+                    <a:rPr lang="en-IS" dirty="0">
+                      <a:latin typeface="Helvetica" pitchFamily="2" charset="0"/>
+                    </a:rPr>
+                    <a:t>0.0</a:t>
+                  </a:r>
+                </a:p>
+              </p:txBody>
+            </p:sp>
+          </p:grpSp>
+          <p:grpSp>
+            <p:nvGrpSpPr>
+              <p:cNvPr id="53" name="Group 52">
+                <a:extLst>
+                  <a:ext uri="{FF2B5EF4-FFF2-40B4-BE49-F238E27FC236}">
+                    <a16:creationId xmlns:a16="http://schemas.microsoft.com/office/drawing/2014/main" id="{F4756C42-2661-3753-9116-03D3D6BDEC24}"/>
+                  </a:ext>
+                </a:extLst>
+              </p:cNvPr>
+              <p:cNvGrpSpPr/>
+              <p:nvPr/>
+            </p:nvGrpSpPr>
+            <p:grpSpPr>
+              <a:xfrm>
+                <a:off x="5963143" y="2134784"/>
+                <a:ext cx="1962939" cy="1346696"/>
+                <a:chOff x="3140598" y="2161205"/>
+                <a:chExt cx="1962939" cy="1346696"/>
+              </a:xfrm>
+            </p:grpSpPr>
+            <p:cxnSp>
+              <p:nvCxnSpPr>
+                <p:cNvPr id="54" name="Straight Arrow Connector 53">
+                  <a:extLst>
+                    <a:ext uri="{FF2B5EF4-FFF2-40B4-BE49-F238E27FC236}">
+                      <a16:creationId xmlns:a16="http://schemas.microsoft.com/office/drawing/2014/main" id="{B049A3B9-77E3-E04E-FE85-B10CB8623254}"/>
+                    </a:ext>
+                  </a:extLst>
+                </p:cNvPr>
+                <p:cNvCxnSpPr>
+                  <a:cxnSpLocks/>
+                  <a:stCxn id="49" idx="3"/>
+                  <a:endCxn id="50" idx="7"/>
+                </p:cNvCxnSpPr>
+                <p:nvPr/>
+              </p:nvCxnSpPr>
+              <p:spPr>
+                <a:xfrm flipH="1">
+                  <a:off x="3140598" y="2161205"/>
+                  <a:ext cx="1540145" cy="1346696"/>
+                </a:xfrm>
+                <a:prstGeom prst="straightConnector1">
+                  <a:avLst/>
+                </a:prstGeom>
+                <a:ln w="28575">
+                  <a:solidFill>
+                    <a:schemeClr val="tx1"/>
+                  </a:solidFill>
+                  <a:tailEnd type="triangle"/>
+                </a:ln>
+              </p:spPr>
+              <p:style>
+                <a:lnRef idx="1">
+                  <a:schemeClr val="accent1"/>
+                </a:lnRef>
+                <a:fillRef idx="0">
+                  <a:schemeClr val="accent1"/>
+                </a:fillRef>
+                <a:effectRef idx="0">
+                  <a:schemeClr val="accent1"/>
+                </a:effectRef>
+                <a:fontRef idx="minor">
+                  <a:schemeClr val="tx1"/>
+                </a:fontRef>
+              </p:style>
+            </p:cxnSp>
+            <p:sp>
+              <p:nvSpPr>
+                <p:cNvPr id="55" name="TextBox 54">
+                  <a:extLst>
+                    <a:ext uri="{FF2B5EF4-FFF2-40B4-BE49-F238E27FC236}">
+                      <a16:creationId xmlns:a16="http://schemas.microsoft.com/office/drawing/2014/main" id="{234CB89B-B016-2D76-B8DF-2AEF2256724D}"/>
+                    </a:ext>
+                  </a:extLst>
+                </p:cNvPr>
+                <p:cNvSpPr txBox="1"/>
+                <p:nvPr/>
+              </p:nvSpPr>
+              <p:spPr>
+                <a:xfrm>
+                  <a:off x="3682196" y="2656658"/>
+                  <a:ext cx="505267" cy="369332"/>
+                </a:xfrm>
+                <a:prstGeom prst="rect">
+                  <a:avLst/>
+                </a:prstGeom>
+                <a:solidFill>
+                  <a:schemeClr val="bg1"/>
+                </a:solidFill>
+              </p:spPr>
+              <p:txBody>
+                <a:bodyPr wrap="none" rtlCol="0">
+                  <a:spAutoFit/>
+                </a:bodyPr>
+                <a:lstStyle/>
+                <a:p>
+                  <a:r>
+                    <a:rPr lang="en-IS" dirty="0">
+                      <a:latin typeface="Helvetica" pitchFamily="2" charset="0"/>
+                    </a:rPr>
+                    <a:t>2.1</a:t>
+                  </a:r>
+                </a:p>
+              </p:txBody>
+            </p:sp>
+            <p:cxnSp>
+              <p:nvCxnSpPr>
+                <p:cNvPr id="56" name="Straight Arrow Connector 55">
+                  <a:extLst>
+                    <a:ext uri="{FF2B5EF4-FFF2-40B4-BE49-F238E27FC236}">
+                      <a16:creationId xmlns:a16="http://schemas.microsoft.com/office/drawing/2014/main" id="{5E2A630E-AE40-FB67-60A2-6FB808499818}"/>
+                    </a:ext>
+                  </a:extLst>
+                </p:cNvPr>
+                <p:cNvCxnSpPr>
+                  <a:cxnSpLocks/>
+                  <a:stCxn id="49" idx="4"/>
+                  <a:endCxn id="51" idx="0"/>
+                </p:cNvCxnSpPr>
+                <p:nvPr/>
+              </p:nvCxnSpPr>
+              <p:spPr>
+                <a:xfrm>
+                  <a:off x="4850905" y="2232086"/>
+                  <a:ext cx="0" cy="1204934"/>
+                </a:xfrm>
+                <a:prstGeom prst="straightConnector1">
+                  <a:avLst/>
+                </a:prstGeom>
+                <a:ln w="28575">
+                  <a:solidFill>
+                    <a:schemeClr val="tx1"/>
+                  </a:solidFill>
+                  <a:tailEnd type="triangle"/>
+                </a:ln>
+              </p:spPr>
+              <p:style>
+                <a:lnRef idx="1">
+                  <a:schemeClr val="accent1"/>
+                </a:lnRef>
+                <a:fillRef idx="0">
+                  <a:schemeClr val="accent1"/>
+                </a:fillRef>
+                <a:effectRef idx="0">
+                  <a:schemeClr val="accent1"/>
+                </a:effectRef>
+                <a:fontRef idx="minor">
+                  <a:schemeClr val="tx1"/>
+                </a:fontRef>
+              </p:style>
+            </p:cxnSp>
+            <p:sp>
+              <p:nvSpPr>
+                <p:cNvPr id="57" name="TextBox 56">
+                  <a:extLst>
+                    <a:ext uri="{FF2B5EF4-FFF2-40B4-BE49-F238E27FC236}">
+                      <a16:creationId xmlns:a16="http://schemas.microsoft.com/office/drawing/2014/main" id="{8269A63E-A2E0-0B6D-2414-D1D10DB2C428}"/>
+                    </a:ext>
+                  </a:extLst>
+                </p:cNvPr>
+                <p:cNvSpPr txBox="1"/>
+                <p:nvPr/>
+              </p:nvSpPr>
+              <p:spPr>
+                <a:xfrm>
+                  <a:off x="4598270" y="2650729"/>
+                  <a:ext cx="505267" cy="369332"/>
+                </a:xfrm>
+                <a:prstGeom prst="rect">
+                  <a:avLst/>
+                </a:prstGeom>
+                <a:solidFill>
+                  <a:schemeClr val="bg1"/>
+                </a:solidFill>
+              </p:spPr>
+              <p:txBody>
+                <a:bodyPr wrap="none" rtlCol="0">
+                  <a:spAutoFit/>
+                </a:bodyPr>
+                <a:lstStyle/>
+                <a:p>
+                  <a:r>
+                    <a:rPr lang="en-IS" dirty="0">
+                      <a:latin typeface="Helvetica" pitchFamily="2" charset="0"/>
+                    </a:rPr>
+                    <a:t>4.7</a:t>
+                  </a:r>
+                </a:p>
+              </p:txBody>
+            </p:sp>
+          </p:grpSp>
+        </p:grpSp>
+        <p:cxnSp>
+          <p:nvCxnSpPr>
+            <p:cNvPr id="64" name="Straight Arrow Connector 63">
+              <a:extLst>
+                <a:ext uri="{FF2B5EF4-FFF2-40B4-BE49-F238E27FC236}">
+                  <a16:creationId xmlns:a16="http://schemas.microsoft.com/office/drawing/2014/main" id="{7C3022A1-A4BA-4C75-E910-66D465F660D6}"/>
+                </a:ext>
+              </a:extLst>
+            </p:cNvPr>
+            <p:cNvCxnSpPr>
+              <a:cxnSpLocks/>
+            </p:cNvCxnSpPr>
+            <p:nvPr/>
+          </p:nvCxnSpPr>
+          <p:spPr>
+            <a:xfrm>
+              <a:off x="5241365" y="3129455"/>
+              <a:ext cx="2219597" cy="0"/>
+            </a:xfrm>
+            <a:prstGeom prst="straightConnector1">
+              <a:avLst/>
+            </a:prstGeom>
+            <a:ln w="57150">
+              <a:solidFill>
+                <a:schemeClr val="tx1"/>
+              </a:solidFill>
+              <a:tailEnd type="triangle"/>
+            </a:ln>
+          </p:spPr>
+          <p:style>
+            <a:lnRef idx="1">
+              <a:schemeClr val="accent1"/>
+            </a:lnRef>
+            <a:fillRef idx="0">
+              <a:schemeClr val="accent1"/>
+            </a:fillRef>
+            <a:effectRef idx="0">
+              <a:schemeClr val="accent1"/>
+            </a:effectRef>
+            <a:fontRef idx="minor">
+              <a:schemeClr val="tx1"/>
+            </a:fontRef>
+          </p:style>
+        </p:cxnSp>
+        <p:pic>
+          <p:nvPicPr>
+            <p:cNvPr id="69" name="Picture 68" descr="\documentclass{article}&#10;\usepackage{amsmath}&#10;\usepackage{mathptmx}&#10;\pagestyle{empty}&#10;\begin{document}&#10;&#10;$E \oplus (0, 0, 0.5)$&#10;&#10;&#10;\end{document}" title="IguanaTex Bitmap Display">
+              <a:extLst>
+                <a:ext uri="{FF2B5EF4-FFF2-40B4-BE49-F238E27FC236}">
+                  <a16:creationId xmlns:a16="http://schemas.microsoft.com/office/drawing/2014/main" id="{78BBDE81-AAE5-A255-EB21-834E1BCC8127}"/>
+                </a:ext>
+              </a:extLst>
+            </p:cNvPr>
+            <p:cNvPicPr>
+              <a:picLocks noChangeAspect="1"/>
+            </p:cNvPicPr>
+            <p:nvPr>
+              <p:custDataLst>
+                <p:tags r:id="rId1"/>
+              </p:custDataLst>
+            </p:nvPr>
+          </p:nvPicPr>
+          <p:blipFill>
+            <a:blip r:embed="rId5"/>
+            <a:stretch>
+              <a:fillRect/>
+            </a:stretch>
+          </p:blipFill>
+          <p:spPr>
+            <a:xfrm>
+              <a:off x="5652664" y="2690789"/>
+              <a:ext cx="1397000" cy="254000"/>
+            </a:xfrm>
+            <a:prstGeom prst="rect">
+              <a:avLst/>
+            </a:prstGeom>
+          </p:spPr>
+        </p:pic>
+        <p:pic>
+          <p:nvPicPr>
+            <p:cNvPr id="73" name="Picture 72" descr="\documentclass{article}&#10;\usepackage{amsmath}&#10;\usepackage{mathptmx}&#10;\pagestyle{empty}&#10;\begin{document}&#10;&#10;$&#10;E = \{&#10;&#9;(0, 1, -0.5), (0, 2, 1.2),&#10;&#9;(1, 2, 1.6), (1, 3, 4.2)&#10;\}&#10;$&#10;&#10;\end{document}" title="IguanaTex Bitmap Display">
+              <a:extLst>
+                <a:ext uri="{FF2B5EF4-FFF2-40B4-BE49-F238E27FC236}">
+                  <a16:creationId xmlns:a16="http://schemas.microsoft.com/office/drawing/2014/main" id="{E69D1A7B-9DB6-87D0-FF31-29E72B7B599B}"/>
+                </a:ext>
+              </a:extLst>
+            </p:cNvPr>
+            <p:cNvPicPr>
+              <a:picLocks noChangeAspect="1"/>
+            </p:cNvPicPr>
+            <p:nvPr>
+              <p:custDataLst>
+                <p:tags r:id="rId2"/>
+              </p:custDataLst>
+            </p:nvPr>
+          </p:nvPicPr>
+          <p:blipFill>
+            <a:blip r:embed="rId6"/>
+            <a:stretch>
+              <a:fillRect/>
+            </a:stretch>
+          </p:blipFill>
+          <p:spPr>
+            <a:xfrm>
+              <a:off x="618597" y="4505889"/>
+              <a:ext cx="5105400" cy="254000"/>
+            </a:xfrm>
+            <a:prstGeom prst="rect">
+              <a:avLst/>
+            </a:prstGeom>
+          </p:spPr>
+        </p:pic>
+        <p:pic>
+          <p:nvPicPr>
+            <p:cNvPr id="75" name="Picture 74" descr="\documentclass{article}&#10;\usepackage{amsmath}&#10;\usepackage{mathptmx}&#10;\pagestyle{empty}&#10;\begin{document}&#10;&#10;$&#10;E = \{&#10;&#9;(0, 1, 0.0), (0, 2, 1.7),&#10;&#9;(1, 2, 2.1), (1, 3, 4.7)&#10;\}&#10;$&#10;&#10;&#10;\end{document}" title="IguanaTex Bitmap Display">
+              <a:extLst>
+                <a:ext uri="{FF2B5EF4-FFF2-40B4-BE49-F238E27FC236}">
+                  <a16:creationId xmlns:a16="http://schemas.microsoft.com/office/drawing/2014/main" id="{F47C0F1B-A4A4-BA40-C828-438A9755B465}"/>
+                </a:ext>
+              </a:extLst>
+            </p:cNvPr>
+            <p:cNvPicPr>
+              <a:picLocks noChangeAspect="1"/>
+            </p:cNvPicPr>
+            <p:nvPr>
+              <p:custDataLst>
+                <p:tags r:id="rId3"/>
+              </p:custDataLst>
+            </p:nvPr>
+          </p:nvPicPr>
+          <p:blipFill>
+            <a:blip r:embed="rId7"/>
+            <a:stretch>
+              <a:fillRect/>
+            </a:stretch>
+          </p:blipFill>
+          <p:spPr>
+            <a:xfrm>
+              <a:off x="7181531" y="4505889"/>
+              <a:ext cx="4902200" cy="254000"/>
+            </a:xfrm>
+            <a:prstGeom prst="rect">
+              <a:avLst/>
+            </a:prstGeom>
+          </p:spPr>
+        </p:pic>
+      </p:grpSp>
+    </p:spTree>
+    <p:extLst>
+      <p:ext uri="{BB962C8B-B14F-4D97-AF65-F5344CB8AC3E}">
+        <p14:creationId xmlns:p14="http://schemas.microsoft.com/office/powerpoint/2010/main" val="3367082559"/>
+      </p:ext>
+    </p:extLst>
+  </p:cSld>
+  <p:clrMapOvr>
+    <a:masterClrMapping/>
+  </p:clrMapOvr>
+</p:sld>
+</file>
+
 <file path=ppt/slides/slide2.xml><?xml version="1.0" encoding="utf-8"?>
 <p:sld xmlns:a="http://schemas.openxmlformats.org/drawingml/2006/main" xmlns:r="http://schemas.openxmlformats.org/officeDocument/2006/relationships" xmlns:p="http://schemas.openxmlformats.org/presentationml/2006/main">
   <p:cSld>
@@ -22182,6 +23730,66 @@
 </p:sld>
 </file>
 
+<file path=ppt/tags/tag1.xml><?xml version="1.0" encoding="utf-8"?>
+<p:tagLst xmlns:a="http://schemas.openxmlformats.org/drawingml/2006/main" xmlns:r="http://schemas.openxmlformats.org/officeDocument/2006/relationships" xmlns:p="http://schemas.openxmlformats.org/presentationml/2006/main">
+  <p:tag name="OUTPUTDPI" val="1200"/>
+  <p:tag name="ORIGINALHEIGHT" val="10"/>
+  <p:tag name="ORIGINALWIDTH" val="55"/>
+  <p:tag name="OUTPUTTYPE" val="PDF"/>
+  <p:tag name="IGUANATEXVERSION" val="160"/>
+  <p:tag name="LATEXADDIN" val="\documentclass{article}&#10;\usepackage{amsmath}&#10;\usepackage{mathptmx}&#10;\pagestyle{empty}&#10;\begin{document}&#10;&#10;$E \oplus (0, 0, 0.5)$&#10;&#10;&#10;\end{document}"/>
+  <p:tag name="IGUANATEXSIZE" val="20"/>
+  <p:tag name="IGUANATEXCURSOR" val="123"/>
+  <p:tag name="TRANSPARENCY" val="True"/>
+  <p:tag name="LATEXENGINEID" val="0"/>
+  <p:tag name="TEMPFOLDER" val="/private/var/folders/j5/w4qgk07d7gl7s9xxcxm3nf3c0000gn/T/com.microsoft.Powerpoint/TemporaryItems/"/>
+  <p:tag name="LATEXFORMHEIGHT" val="426,65"/>
+  <p:tag name="LATEXFORMWIDTH" val="513,35"/>
+  <p:tag name="LATEXFORMWRAP" val="True"/>
+  <p:tag name="BITMAPVECTOR" val="0"/>
+</p:tagLst>
+</file>
+
+<file path=ppt/tags/tag2.xml><?xml version="1.0" encoding="utf-8"?>
+<p:tagLst xmlns:a="http://schemas.openxmlformats.org/drawingml/2006/main" xmlns:r="http://schemas.openxmlformats.org/officeDocument/2006/relationships" xmlns:p="http://schemas.openxmlformats.org/presentationml/2006/main">
+  <p:tag name="OUTPUTDPI" val="1200"/>
+  <p:tag name="ORIGINALHEIGHT" val="10"/>
+  <p:tag name="ORIGINALWIDTH" val="201"/>
+  <p:tag name="OUTPUTTYPE" val="PDF"/>
+  <p:tag name="IGUANATEXVERSION" val="160"/>
+  <p:tag name="LATEXADDIN" val="\documentclass{article}&#10;\usepackage{amsmath}&#10;\usepackage{mathptmx}&#10;\pagestyle{empty}&#10;\begin{document}&#10;&#10;$&#10;E = \{&#10;&#9;(0, 1, -0.5), (0, 2, 1.2),&#10;&#9;(1, 2, 1.6), (1, 3, 4.2)&#10;\}&#10;$&#10;&#10;\end{document}"/>
+  <p:tag name="IGUANATEXSIZE" val="20"/>
+  <p:tag name="IGUANATEXCURSOR" val="165"/>
+  <p:tag name="TRANSPARENCY" val="True"/>
+  <p:tag name="LATEXENGINEID" val="0"/>
+  <p:tag name="TEMPFOLDER" val="/private/var/folders/j5/w4qgk07d7gl7s9xxcxm3nf3c0000gn/T/com.microsoft.Powerpoint/TemporaryItems/"/>
+  <p:tag name="LATEXFORMHEIGHT" val="426,65"/>
+  <p:tag name="LATEXFORMWIDTH" val="513,35"/>
+  <p:tag name="LATEXFORMWRAP" val="True"/>
+  <p:tag name="BITMAPVECTOR" val="0"/>
+</p:tagLst>
+</file>
+
+<file path=ppt/tags/tag3.xml><?xml version="1.0" encoding="utf-8"?>
+<p:tagLst xmlns:a="http://schemas.openxmlformats.org/drawingml/2006/main" xmlns:r="http://schemas.openxmlformats.org/officeDocument/2006/relationships" xmlns:p="http://schemas.openxmlformats.org/presentationml/2006/main">
+  <p:tag name="OUTPUTDPI" val="1200"/>
+  <p:tag name="ORIGINALHEIGHT" val="10"/>
+  <p:tag name="ORIGINALWIDTH" val="193"/>
+  <p:tag name="OUTPUTTYPE" val="PDF"/>
+  <p:tag name="IGUANATEXVERSION" val="160"/>
+  <p:tag name="LATEXADDIN" val="\documentclass{article}&#10;\usepackage{amsmath}&#10;\usepackage{mathptmx}&#10;\pagestyle{empty}&#10;\begin{document}&#10;&#10;$&#10;E = \{&#10;&#9;(0, 1, 0.0), (0, 2, 1.7),&#10;&#9;(1, 2, 2.1), (1, 3, 4.7)&#10;\}&#10;$&#10;&#10;&#10;\end{document}"/>
+  <p:tag name="IGUANATEXSIZE" val="20"/>
+  <p:tag name="IGUANATEXCURSOR" val="164"/>
+  <p:tag name="TRANSPARENCY" val="True"/>
+  <p:tag name="LATEXENGINEID" val="0"/>
+  <p:tag name="TEMPFOLDER" val="/private/var/folders/j5/w4qgk07d7gl7s9xxcxm3nf3c0000gn/T/com.microsoft.Powerpoint/TemporaryItems/"/>
+  <p:tag name="LATEXFORMHEIGHT" val="426,65"/>
+  <p:tag name="LATEXFORMWIDTH" val="513,35"/>
+  <p:tag name="LATEXFORMWRAP" val="True"/>
+  <p:tag name="BITMAPVECTOR" val="0"/>
+</p:tagLst>
+</file>
+
 <file path=ppt/theme/theme1.xml><?xml version="1.0" encoding="utf-8"?>
 <a:theme xmlns:a="http://schemas.openxmlformats.org/drawingml/2006/main" name="Office Theme">
   <a:themeElements>
